--- a/doodle.pptx
+++ b/doodle.pptx
@@ -110,7 +110,32 @@
       </a:defRPr>
     </a:lvl9pPr>
   </p:defaultTextStyle>
+  <p:extLst>
+    <p:ext uri="{EFAFB233-063F-42B5-8137-9DF3F51BA10A}">
+      <p15:sldGuideLst xmlns:p15="http://schemas.microsoft.com/office/powerpoint/2012/main">
+        <p15:guide id="1" orient="horz" pos="2160">
+          <p15:clr>
+            <a:srgbClr val="A4A3A4"/>
+          </p15:clr>
+        </p15:guide>
+        <p15:guide id="2" pos="2880">
+          <p15:clr>
+            <a:srgbClr val="A4A3A4"/>
+          </p15:clr>
+        </p15:guide>
+      </p15:sldGuideLst>
+    </p:ext>
+  </p:extLst>
 </p:presentation>
+</file>
+
+<file path=ppt/revisionInfo.xml><?xml version="1.0" encoding="utf-8"?>
+<p1510:revInfo xmlns:a="http://schemas.openxmlformats.org/drawingml/2006/main" xmlns:r="http://schemas.openxmlformats.org/officeDocument/2006/relationships" xmlns:p1510="http://schemas.microsoft.com/office/powerpoint/2015/10/main">
+  <p1510:revLst>
+    <p1510:client id="{49955738-E1E1-4490-AD58-68579315BD34}" v="8" dt="2024-01-17T14:09:38.916"/>
+    <p1510:client id="{5A90A4D3-0F95-449C-A4C4-EDECC3118643}" v="54" dt="2024-01-17T14:07:21.737"/>
+  </p1510:revLst>
+</p1510:revInfo>
 </file>
 
 <file path=ppt/slideLayouts/slideLayout1.xml><?xml version="1.0" encoding="utf-8"?>
@@ -2718,7 +2743,7 @@
           </a:lstStyle>
           <a:p>
             <a:r>
-              <a:rPr lang="ru-RU" smtClean="0"/>
+              <a:rPr lang="ru-RU"/>
               <a:t>Образец заголовка</a:t>
             </a:r>
             <a:endParaRPr lang="en-US" dirty="0"/>
@@ -2837,7 +2862,7 @@
           </a:lstStyle>
           <a:p>
             <a:r>
-              <a:rPr lang="ru-RU" smtClean="0"/>
+              <a:rPr lang="ru-RU"/>
               <a:t>Образец подзаголовка</a:t>
             </a:r>
             <a:endParaRPr lang="en-US" dirty="0"/>
@@ -2870,7 +2895,7 @@
           <a:p>
             <a:fld id="{B4C71EC6-210F-42DE-9C53-41977AD35B3D}" type="datetimeFigureOut">
               <a:rPr lang="ru-RU" smtClean="0"/>
-              <a:t>16.01.2024</a:t>
+              <a:t>17.01.2024</a:t>
             </a:fld>
             <a:endParaRPr lang="ru-RU"/>
           </a:p>
@@ -3079,7 +3104,7 @@
           <a:lstStyle/>
           <a:p>
             <a:r>
-              <a:rPr lang="ru-RU" smtClean="0"/>
+              <a:rPr lang="ru-RU"/>
               <a:t>Образец заголовка</a:t>
             </a:r>
             <a:endParaRPr lang="en-US"/>
@@ -3103,35 +3128,35 @@
           <a:p>
             <a:pPr lvl="0"/>
             <a:r>
-              <a:rPr lang="ru-RU" smtClean="0"/>
+              <a:rPr lang="ru-RU"/>
               <a:t>Образец текста</a:t>
             </a:r>
           </a:p>
           <a:p>
             <a:pPr lvl="1"/>
             <a:r>
-              <a:rPr lang="ru-RU" smtClean="0"/>
+              <a:rPr lang="ru-RU"/>
               <a:t>Второй уровень</a:t>
             </a:r>
           </a:p>
           <a:p>
             <a:pPr lvl="2"/>
             <a:r>
-              <a:rPr lang="ru-RU" smtClean="0"/>
+              <a:rPr lang="ru-RU"/>
               <a:t>Третий уровень</a:t>
             </a:r>
           </a:p>
           <a:p>
             <a:pPr lvl="3"/>
             <a:r>
-              <a:rPr lang="ru-RU" smtClean="0"/>
+              <a:rPr lang="ru-RU"/>
               <a:t>Четвертый уровень</a:t>
             </a:r>
           </a:p>
           <a:p>
             <a:pPr lvl="4"/>
             <a:r>
-              <a:rPr lang="ru-RU" smtClean="0"/>
+              <a:rPr lang="ru-RU"/>
               <a:t>Пятый уровень</a:t>
             </a:r>
             <a:endParaRPr lang="en-US"/>
@@ -3155,7 +3180,7 @@
           <a:p>
             <a:fld id="{B4C71EC6-210F-42DE-9C53-41977AD35B3D}" type="datetimeFigureOut">
               <a:rPr lang="ru-RU" smtClean="0"/>
-              <a:t>16.01.2024</a:t>
+              <a:t>17.01.2024</a:t>
             </a:fld>
             <a:endParaRPr lang="ru-RU"/>
           </a:p>
@@ -3249,7 +3274,7 @@
           <a:lstStyle/>
           <a:p>
             <a:r>
-              <a:rPr lang="ru-RU" smtClean="0"/>
+              <a:rPr lang="ru-RU"/>
               <a:t>Образец заголовка</a:t>
             </a:r>
             <a:endParaRPr lang="en-US"/>
@@ -3278,35 +3303,35 @@
           <a:p>
             <a:pPr lvl="0"/>
             <a:r>
-              <a:rPr lang="ru-RU" smtClean="0"/>
+              <a:rPr lang="ru-RU"/>
               <a:t>Образец текста</a:t>
             </a:r>
           </a:p>
           <a:p>
             <a:pPr lvl="1"/>
             <a:r>
-              <a:rPr lang="ru-RU" smtClean="0"/>
+              <a:rPr lang="ru-RU"/>
               <a:t>Второй уровень</a:t>
             </a:r>
           </a:p>
           <a:p>
             <a:pPr lvl="2"/>
             <a:r>
-              <a:rPr lang="ru-RU" smtClean="0"/>
+              <a:rPr lang="ru-RU"/>
               <a:t>Третий уровень</a:t>
             </a:r>
           </a:p>
           <a:p>
             <a:pPr lvl="3"/>
             <a:r>
-              <a:rPr lang="ru-RU" smtClean="0"/>
+              <a:rPr lang="ru-RU"/>
               <a:t>Четвертый уровень</a:t>
             </a:r>
           </a:p>
           <a:p>
             <a:pPr lvl="4"/>
             <a:r>
-              <a:rPr lang="ru-RU" smtClean="0"/>
+              <a:rPr lang="ru-RU"/>
               <a:t>Пятый уровень</a:t>
             </a:r>
             <a:endParaRPr lang="en-US"/>
@@ -3330,7 +3355,7 @@
           <a:p>
             <a:fld id="{B4C71EC6-210F-42DE-9C53-41977AD35B3D}" type="datetimeFigureOut">
               <a:rPr lang="ru-RU" smtClean="0"/>
-              <a:t>16.01.2024</a:t>
+              <a:t>17.01.2024</a:t>
             </a:fld>
             <a:endParaRPr lang="ru-RU"/>
           </a:p>
@@ -3419,7 +3444,7 @@
           <a:lstStyle/>
           <a:p>
             <a:r>
-              <a:rPr lang="ru-RU" smtClean="0"/>
+              <a:rPr lang="ru-RU"/>
               <a:t>Образец заголовка</a:t>
             </a:r>
             <a:endParaRPr lang="en-US"/>
@@ -3443,35 +3468,35 @@
           <a:p>
             <a:pPr lvl="0"/>
             <a:r>
-              <a:rPr lang="ru-RU" smtClean="0"/>
+              <a:rPr lang="ru-RU"/>
               <a:t>Образец текста</a:t>
             </a:r>
           </a:p>
           <a:p>
             <a:pPr lvl="1"/>
             <a:r>
-              <a:rPr lang="ru-RU" smtClean="0"/>
+              <a:rPr lang="ru-RU"/>
               <a:t>Второй уровень</a:t>
             </a:r>
           </a:p>
           <a:p>
             <a:pPr lvl="2"/>
             <a:r>
-              <a:rPr lang="ru-RU" smtClean="0"/>
+              <a:rPr lang="ru-RU"/>
               <a:t>Третий уровень</a:t>
             </a:r>
           </a:p>
           <a:p>
             <a:pPr lvl="3"/>
             <a:r>
-              <a:rPr lang="ru-RU" smtClean="0"/>
+              <a:rPr lang="ru-RU"/>
               <a:t>Четвертый уровень</a:t>
             </a:r>
           </a:p>
           <a:p>
             <a:pPr lvl="4"/>
             <a:r>
-              <a:rPr lang="ru-RU" smtClean="0"/>
+              <a:rPr lang="ru-RU"/>
               <a:t>Пятый уровень</a:t>
             </a:r>
             <a:endParaRPr lang="en-US" dirty="0"/>
@@ -3495,7 +3520,7 @@
           <a:p>
             <a:fld id="{B4C71EC6-210F-42DE-9C53-41977AD35B3D}" type="datetimeFigureOut">
               <a:rPr lang="ru-RU" smtClean="0"/>
-              <a:t>16.01.2024</a:t>
+              <a:t>17.01.2024</a:t>
             </a:fld>
             <a:endParaRPr lang="ru-RU"/>
           </a:p>
@@ -3593,7 +3618,7 @@
           </a:lstStyle>
           <a:p>
             <a:r>
-              <a:rPr lang="ru-RU" smtClean="0"/>
+              <a:rPr lang="ru-RU"/>
               <a:t>Образец заголовка</a:t>
             </a:r>
             <a:endParaRPr lang="en-US" dirty="0"/>
@@ -3713,7 +3738,7 @@
           <a:p>
             <a:pPr lvl="0"/>
             <a:r>
-              <a:rPr lang="ru-RU" smtClean="0"/>
+              <a:rPr lang="ru-RU"/>
               <a:t>Образец текста</a:t>
             </a:r>
           </a:p>
@@ -3736,7 +3761,7 @@
           <a:p>
             <a:fld id="{B4C71EC6-210F-42DE-9C53-41977AD35B3D}" type="datetimeFigureOut">
               <a:rPr lang="ru-RU" smtClean="0"/>
-              <a:t>16.01.2024</a:t>
+              <a:t>17.01.2024</a:t>
             </a:fld>
             <a:endParaRPr lang="ru-RU"/>
           </a:p>
@@ -3825,7 +3850,7 @@
           <a:lstStyle/>
           <a:p>
             <a:r>
-              <a:rPr lang="ru-RU" smtClean="0"/>
+              <a:rPr lang="ru-RU"/>
               <a:t>Образец заголовка</a:t>
             </a:r>
             <a:endParaRPr lang="en-US"/>
@@ -3849,7 +3874,7 @@
           <a:p>
             <a:fld id="{B4C71EC6-210F-42DE-9C53-41977AD35B3D}" type="datetimeFigureOut">
               <a:rPr lang="ru-RU" smtClean="0"/>
-              <a:t>16.01.2024</a:t>
+              <a:t>17.01.2024</a:t>
             </a:fld>
             <a:endParaRPr lang="ru-RU"/>
           </a:p>
@@ -3919,35 +3944,35 @@
           <a:p>
             <a:pPr lvl="0"/>
             <a:r>
-              <a:rPr lang="ru-RU" smtClean="0"/>
+              <a:rPr lang="ru-RU"/>
               <a:t>Образец текста</a:t>
             </a:r>
           </a:p>
           <a:p>
             <a:pPr lvl="1"/>
             <a:r>
-              <a:rPr lang="ru-RU" smtClean="0"/>
+              <a:rPr lang="ru-RU"/>
               <a:t>Второй уровень</a:t>
             </a:r>
           </a:p>
           <a:p>
             <a:pPr lvl="2"/>
             <a:r>
-              <a:rPr lang="ru-RU" smtClean="0"/>
+              <a:rPr lang="ru-RU"/>
               <a:t>Третий уровень</a:t>
             </a:r>
           </a:p>
           <a:p>
             <a:pPr lvl="3"/>
             <a:r>
-              <a:rPr lang="ru-RU" smtClean="0"/>
+              <a:rPr lang="ru-RU"/>
               <a:t>Четвертый уровень</a:t>
             </a:r>
           </a:p>
           <a:p>
             <a:pPr lvl="4"/>
             <a:r>
-              <a:rPr lang="ru-RU" smtClean="0"/>
+              <a:rPr lang="ru-RU"/>
               <a:t>Пятый уровень</a:t>
             </a:r>
             <a:endParaRPr lang="en-US" dirty="0"/>
@@ -3976,35 +4001,35 @@
           <a:p>
             <a:pPr lvl="0"/>
             <a:r>
-              <a:rPr lang="ru-RU" smtClean="0"/>
+              <a:rPr lang="ru-RU"/>
               <a:t>Образец текста</a:t>
             </a:r>
           </a:p>
           <a:p>
             <a:pPr lvl="1"/>
             <a:r>
-              <a:rPr lang="ru-RU" smtClean="0"/>
+              <a:rPr lang="ru-RU"/>
               <a:t>Второй уровень</a:t>
             </a:r>
           </a:p>
           <a:p>
             <a:pPr lvl="2"/>
             <a:r>
-              <a:rPr lang="ru-RU" smtClean="0"/>
+              <a:rPr lang="ru-RU"/>
               <a:t>Третий уровень</a:t>
             </a:r>
           </a:p>
           <a:p>
             <a:pPr lvl="3"/>
             <a:r>
-              <a:rPr lang="ru-RU" smtClean="0"/>
+              <a:rPr lang="ru-RU"/>
               <a:t>Четвертый уровень</a:t>
             </a:r>
           </a:p>
           <a:p>
             <a:pPr lvl="4"/>
             <a:r>
-              <a:rPr lang="ru-RU" smtClean="0"/>
+              <a:rPr lang="ru-RU"/>
               <a:t>Пятый уровень</a:t>
             </a:r>
             <a:endParaRPr lang="en-US"/>
@@ -4056,7 +4081,7 @@
           </a:lstStyle>
           <a:p>
             <a:r>
-              <a:rPr lang="ru-RU" smtClean="0"/>
+              <a:rPr lang="ru-RU"/>
               <a:t>Образец заголовка</a:t>
             </a:r>
             <a:endParaRPr lang="en-US"/>
@@ -4126,7 +4151,7 @@
           <a:p>
             <a:pPr lvl="0"/>
             <a:r>
-              <a:rPr lang="ru-RU" smtClean="0"/>
+              <a:rPr lang="ru-RU"/>
               <a:t>Образец текста</a:t>
             </a:r>
           </a:p>
@@ -4182,35 +4207,35 @@
           <a:p>
             <a:pPr lvl="0"/>
             <a:r>
-              <a:rPr lang="ru-RU" smtClean="0"/>
+              <a:rPr lang="ru-RU"/>
               <a:t>Образец текста</a:t>
             </a:r>
           </a:p>
           <a:p>
             <a:pPr lvl="1"/>
             <a:r>
-              <a:rPr lang="ru-RU" smtClean="0"/>
+              <a:rPr lang="ru-RU"/>
               <a:t>Второй уровень</a:t>
             </a:r>
           </a:p>
           <a:p>
             <a:pPr lvl="2"/>
             <a:r>
-              <a:rPr lang="ru-RU" smtClean="0"/>
+              <a:rPr lang="ru-RU"/>
               <a:t>Третий уровень</a:t>
             </a:r>
           </a:p>
           <a:p>
             <a:pPr lvl="3"/>
             <a:r>
-              <a:rPr lang="ru-RU" smtClean="0"/>
+              <a:rPr lang="ru-RU"/>
               <a:t>Четвертый уровень</a:t>
             </a:r>
           </a:p>
           <a:p>
             <a:pPr lvl="4"/>
             <a:r>
-              <a:rPr lang="ru-RU" smtClean="0"/>
+              <a:rPr lang="ru-RU"/>
               <a:t>Пятый уровень</a:t>
             </a:r>
             <a:endParaRPr lang="en-US" dirty="0"/>
@@ -4280,7 +4305,7 @@
           <a:p>
             <a:pPr lvl="0"/>
             <a:r>
-              <a:rPr lang="ru-RU" smtClean="0"/>
+              <a:rPr lang="ru-RU"/>
               <a:t>Образец текста</a:t>
             </a:r>
           </a:p>
@@ -4336,35 +4361,35 @@
           <a:p>
             <a:pPr lvl="0"/>
             <a:r>
-              <a:rPr lang="ru-RU" smtClean="0"/>
+              <a:rPr lang="ru-RU"/>
               <a:t>Образец текста</a:t>
             </a:r>
           </a:p>
           <a:p>
             <a:pPr lvl="1"/>
             <a:r>
-              <a:rPr lang="ru-RU" smtClean="0"/>
+              <a:rPr lang="ru-RU"/>
               <a:t>Второй уровень</a:t>
             </a:r>
           </a:p>
           <a:p>
             <a:pPr lvl="2"/>
             <a:r>
-              <a:rPr lang="ru-RU" smtClean="0"/>
+              <a:rPr lang="ru-RU"/>
               <a:t>Третий уровень</a:t>
             </a:r>
           </a:p>
           <a:p>
             <a:pPr lvl="3"/>
             <a:r>
-              <a:rPr lang="ru-RU" smtClean="0"/>
+              <a:rPr lang="ru-RU"/>
               <a:t>Четвертый уровень</a:t>
             </a:r>
           </a:p>
           <a:p>
             <a:pPr lvl="4"/>
             <a:r>
-              <a:rPr lang="ru-RU" smtClean="0"/>
+              <a:rPr lang="ru-RU"/>
               <a:t>Пятый уровень</a:t>
             </a:r>
             <a:endParaRPr lang="en-US" dirty="0"/>
@@ -4388,7 +4413,7 @@
           <a:p>
             <a:fld id="{B4C71EC6-210F-42DE-9C53-41977AD35B3D}" type="datetimeFigureOut">
               <a:rPr lang="ru-RU" smtClean="0"/>
-              <a:t>16.01.2024</a:t>
+              <a:t>17.01.2024</a:t>
             </a:fld>
             <a:endParaRPr lang="ru-RU"/>
           </a:p>
@@ -4477,7 +4502,7 @@
           <a:lstStyle/>
           <a:p>
             <a:r>
-              <a:rPr lang="ru-RU" smtClean="0"/>
+              <a:rPr lang="ru-RU"/>
               <a:t>Образец заголовка</a:t>
             </a:r>
             <a:endParaRPr lang="en-US"/>
@@ -4501,7 +4526,7 @@
           <a:p>
             <a:fld id="{B4C71EC6-210F-42DE-9C53-41977AD35B3D}" type="datetimeFigureOut">
               <a:rPr lang="ru-RU" smtClean="0"/>
-              <a:t>16.01.2024</a:t>
+              <a:t>17.01.2024</a:t>
             </a:fld>
             <a:endParaRPr lang="ru-RU"/>
           </a:p>
@@ -4591,7 +4616,7 @@
           <a:p>
             <a:fld id="{B4C71EC6-210F-42DE-9C53-41977AD35B3D}" type="datetimeFigureOut">
               <a:rPr lang="ru-RU" smtClean="0"/>
-              <a:t>16.01.2024</a:t>
+              <a:t>17.01.2024</a:t>
             </a:fld>
             <a:endParaRPr lang="ru-RU"/>
           </a:p>
@@ -7242,7 +7267,7 @@
           <a:p>
             <a:fld id="{B4C71EC6-210F-42DE-9C53-41977AD35B3D}" type="datetimeFigureOut">
               <a:rPr lang="ru-RU" smtClean="0"/>
-              <a:t>16.01.2024</a:t>
+              <a:t>17.01.2024</a:t>
             </a:fld>
             <a:endParaRPr lang="ru-RU"/>
           </a:p>
@@ -7369,35 +7394,35 @@
           <a:p>
             <a:pPr lvl="0"/>
             <a:r>
-              <a:rPr lang="ru-RU" smtClean="0"/>
+              <a:rPr lang="ru-RU"/>
               <a:t>Образец текста</a:t>
             </a:r>
           </a:p>
           <a:p>
             <a:pPr lvl="1"/>
             <a:r>
-              <a:rPr lang="ru-RU" smtClean="0"/>
+              <a:rPr lang="ru-RU"/>
               <a:t>Второй уровень</a:t>
             </a:r>
           </a:p>
           <a:p>
             <a:pPr lvl="2"/>
             <a:r>
-              <a:rPr lang="ru-RU" smtClean="0"/>
+              <a:rPr lang="ru-RU"/>
               <a:t>Третий уровень</a:t>
             </a:r>
           </a:p>
           <a:p>
             <a:pPr lvl="3"/>
             <a:r>
-              <a:rPr lang="ru-RU" smtClean="0"/>
+              <a:rPr lang="ru-RU"/>
               <a:t>Четвертый уровень</a:t>
             </a:r>
           </a:p>
           <a:p>
             <a:pPr lvl="4"/>
             <a:r>
-              <a:rPr lang="ru-RU" smtClean="0"/>
+              <a:rPr lang="ru-RU"/>
               <a:t>Пятый уровень</a:t>
             </a:r>
             <a:endParaRPr lang="en-US" dirty="0"/>
@@ -7503,7 +7528,7 @@
           </a:lstStyle>
           <a:p>
             <a:r>
-              <a:rPr lang="ru-RU" smtClean="0"/>
+              <a:rPr lang="ru-RU"/>
               <a:t>Образец заголовка</a:t>
             </a:r>
             <a:endParaRPr lang="en-US"/>
@@ -7575,7 +7600,7 @@
           <a:p>
             <a:pPr lvl="0"/>
             <a:r>
-              <a:rPr lang="ru-RU" smtClean="0"/>
+              <a:rPr lang="ru-RU"/>
               <a:t>Образец текста</a:t>
             </a:r>
           </a:p>
@@ -10290,7 +10315,7 @@
           </a:lstStyle>
           <a:p>
             <a:r>
-              <a:rPr lang="ru-RU" smtClean="0"/>
+              <a:rPr lang="ru-RU"/>
               <a:t>Образец заголовка</a:t>
             </a:r>
             <a:endParaRPr lang="en-US"/>
@@ -10359,7 +10384,7 @@
           </a:lstStyle>
           <a:p>
             <a:r>
-              <a:rPr lang="ru-RU" smtClean="0"/>
+              <a:rPr lang="ru-RU"/>
               <a:t>Вставка рисунка</a:t>
             </a:r>
             <a:endParaRPr lang="en-US" dirty="0"/>
@@ -10431,7 +10456,7 @@
           <a:p>
             <a:pPr lvl="0"/>
             <a:r>
-              <a:rPr lang="ru-RU" smtClean="0"/>
+              <a:rPr lang="ru-RU"/>
               <a:t>Образец текста</a:t>
             </a:r>
           </a:p>
@@ -10454,7 +10479,7 @@
           <a:p>
             <a:fld id="{B4C71EC6-210F-42DE-9C53-41977AD35B3D}" type="datetimeFigureOut">
               <a:rPr lang="ru-RU" smtClean="0"/>
-              <a:t>16.01.2024</a:t>
+              <a:t>17.01.2024</a:t>
             </a:fld>
             <a:endParaRPr lang="ru-RU"/>
           </a:p>
@@ -13174,7 +13199,7 @@
           <a:lstStyle/>
           <a:p>
             <a:r>
-              <a:rPr lang="ru-RU" smtClean="0"/>
+              <a:rPr lang="ru-RU"/>
               <a:t>Образец заголовка</a:t>
             </a:r>
             <a:endParaRPr lang="en-US" dirty="0"/>
@@ -13208,35 +13233,35 @@
           <a:p>
             <a:pPr lvl="0"/>
             <a:r>
-              <a:rPr lang="ru-RU" smtClean="0"/>
+              <a:rPr lang="ru-RU"/>
               <a:t>Образец текста</a:t>
             </a:r>
           </a:p>
           <a:p>
             <a:pPr lvl="1"/>
             <a:r>
-              <a:rPr lang="ru-RU" smtClean="0"/>
+              <a:rPr lang="ru-RU"/>
               <a:t>Второй уровень</a:t>
             </a:r>
           </a:p>
           <a:p>
             <a:pPr lvl="2"/>
             <a:r>
-              <a:rPr lang="ru-RU" smtClean="0"/>
+              <a:rPr lang="ru-RU"/>
               <a:t>Третий уровень</a:t>
             </a:r>
           </a:p>
           <a:p>
             <a:pPr lvl="3"/>
             <a:r>
-              <a:rPr lang="ru-RU" smtClean="0"/>
+              <a:rPr lang="ru-RU"/>
               <a:t>Четвертый уровень</a:t>
             </a:r>
           </a:p>
           <a:p>
             <a:pPr lvl="4"/>
             <a:r>
-              <a:rPr lang="ru-RU" smtClean="0"/>
+              <a:rPr lang="ru-RU"/>
               <a:t>Пятый уровень</a:t>
             </a:r>
             <a:endParaRPr lang="en-US" dirty="0"/>
@@ -13276,7 +13301,7 @@
           <a:p>
             <a:fld id="{B4C71EC6-210F-42DE-9C53-41977AD35B3D}" type="datetimeFigureOut">
               <a:rPr lang="ru-RU" smtClean="0"/>
-              <a:t>16.01.2024</a:t>
+              <a:t>17.01.2024</a:t>
             </a:fld>
             <a:endParaRPr lang="ru-RU"/>
           </a:p>
@@ -13787,7 +13812,7 @@
           <a:lstStyle/>
           <a:p>
             <a:r>
-              <a:rPr lang="ru-RU" sz="3600" b="1" dirty="0" smtClean="0">
+              <a:rPr lang="ru-RU" sz="3600" b="1" dirty="0">
                 <a:solidFill>
                   <a:schemeClr val="tx1"/>
                 </a:solidFill>
@@ -13795,7 +13820,7 @@
               <a:t>Игра на </a:t>
             </a:r>
             <a:r>
-              <a:rPr lang="en-US" sz="3600" b="1" dirty="0" err="1" smtClean="0">
+              <a:rPr lang="en-US" sz="3600" b="1" dirty="0" err="1">
                 <a:solidFill>
                   <a:schemeClr val="tx1"/>
                 </a:solidFill>
@@ -13820,13 +13845,6 @@
   <p:clrMapOvr>
     <a:masterClrMapping/>
   </p:clrMapOvr>
-  <p:timing>
-    <p:tnLst>
-      <p:par>
-        <p:cTn id="1" dur="indefinite" restart="never" nodeType="tmRoot"/>
-      </p:par>
-    </p:tnLst>
-  </p:timing>
 </p:sld>
 </file>
 
@@ -13863,10 +13881,9 @@
           <a:lstStyle/>
           <a:p>
             <a:r>
-              <a:rPr lang="ru-RU" dirty="0" smtClean="0"/>
+              <a:rPr lang="ru-RU" dirty="0"/>
               <a:t>Технологии в проекте</a:t>
             </a:r>
-            <a:endParaRPr lang="ru-RU" dirty="0"/>
           </a:p>
         </p:txBody>
       </p:sp>
@@ -13882,20 +13899,45 @@
         </p:nvSpPr>
         <p:spPr/>
         <p:txBody>
-          <a:bodyPr/>
+          <a:bodyPr vert="horz" lIns="91440" tIns="45720" rIns="91440" bIns="45720" rtlCol="0" anchor="t">
+            <a:normAutofit/>
+          </a:bodyPr>
           <a:lstStyle/>
           <a:p>
+            <a:pPr>
+              <a:buFont typeface="Wingdings" pitchFamily="18" charset="2"/>
+              <a:buChar char="§"/>
+            </a:pPr>
             <a:r>
-              <a:rPr lang="en-US" dirty="0" smtClean="0"/>
+              <a:rPr lang="en-US" dirty="0"/>
               <a:t>Python</a:t>
             </a:r>
+            <a:endParaRPr lang="ru-RU"/>
           </a:p>
           <a:p>
+            <a:pPr>
+              <a:buFont typeface="Wingdings" pitchFamily="18" charset="2"/>
+              <a:buChar char="§"/>
+            </a:pPr>
             <a:r>
-              <a:rPr lang="en-US" dirty="0" err="1" smtClean="0"/>
+              <a:rPr lang="en-US" err="1"/>
               <a:t>Pygame</a:t>
             </a:r>
-            <a:endParaRPr lang="ru-RU" dirty="0"/>
+            <a:endParaRPr lang="en-US"/>
+          </a:p>
+          <a:p>
+            <a:pPr>
+              <a:buFont typeface="Wingdings" pitchFamily="18" charset="2"/>
+              <a:buChar char="§"/>
+            </a:pPr>
+            <a:r>
+              <a:rPr lang="en-US" dirty="0" err="1"/>
+              <a:t>Sqlite</a:t>
+            </a:r>
+            <a:r>
+              <a:rPr lang="en-US" dirty="0"/>
+              <a:t> 3</a:t>
+            </a:r>
           </a:p>
         </p:txBody>
       </p:sp>
@@ -13909,13 +13951,6 @@
   <p:clrMapOvr>
     <a:masterClrMapping/>
   </p:clrMapOvr>
-  <p:timing>
-    <p:tnLst>
-      <p:par>
-        <p:cTn id="1" dur="indefinite" restart="never" nodeType="tmRoot"/>
-      </p:par>
-    </p:tnLst>
-  </p:timing>
 </p:sld>
 </file>
 
@@ -13952,10 +13987,9 @@
           <a:lstStyle/>
           <a:p>
             <a:r>
-              <a:rPr lang="ru-RU" dirty="0" smtClean="0"/>
+              <a:rPr lang="ru-RU" dirty="0"/>
               <a:t>Технологии</a:t>
             </a:r>
-            <a:endParaRPr lang="ru-RU" dirty="0"/>
           </a:p>
         </p:txBody>
       </p:sp>
@@ -13971,106 +14005,111 @@
         </p:nvSpPr>
         <p:spPr/>
         <p:txBody>
-          <a:bodyPr>
+          <a:bodyPr vert="horz" lIns="91440" tIns="45720" rIns="91440" bIns="45720" rtlCol="0" anchor="t">
             <a:normAutofit fontScale="92500"/>
           </a:bodyPr>
           <a:lstStyle/>
           <a:p>
+            <a:pPr>
+              <a:buFont typeface="Wingdings" pitchFamily="18" charset="2"/>
+              <a:buChar char="§"/>
+            </a:pPr>
             <a:r>
-              <a:rPr lang="ru-RU" dirty="0" smtClean="0"/>
+              <a:rPr lang="ru-RU" dirty="0"/>
               <a:t>Основные технологии взяты из игры </a:t>
             </a:r>
             <a:r>
-              <a:rPr lang="en-US" dirty="0" smtClean="0"/>
+              <a:rPr lang="en-US" dirty="0"/>
               <a:t>Doodle jump</a:t>
             </a:r>
             <a:r>
-              <a:rPr lang="ru-RU" dirty="0" smtClean="0"/>
+              <a:rPr lang="ru-RU" dirty="0"/>
               <a:t>.</a:t>
+            </a:r>
+            <a:endParaRPr lang="ru-RU"/>
+          </a:p>
+          <a:p>
+            <a:pPr>
+              <a:buFont typeface="Wingdings" pitchFamily="18" charset="2"/>
+              <a:buChar char="§"/>
+            </a:pPr>
+            <a:r>
+              <a:rPr lang="ru-RU" dirty="0"/>
+              <a:t>Библиотека </a:t>
+            </a:r>
+            <a:r>
+              <a:rPr lang="ru-RU" err="1"/>
+              <a:t>Sqlite</a:t>
+            </a:r>
+            <a:r>
+              <a:rPr lang="ru-RU" dirty="0"/>
+              <a:t> 3 и таблица </a:t>
+            </a:r>
+            <a:r>
+              <a:rPr lang="en-US" err="1"/>
+              <a:t>lider_table.sgl</a:t>
+            </a:r>
+            <a:r>
+              <a:rPr lang="en-US" dirty="0"/>
+              <a:t>  </a:t>
+            </a:r>
+            <a:r>
+              <a:rPr lang="ru-RU" dirty="0"/>
+              <a:t>для записи рекорда.</a:t>
             </a:r>
           </a:p>
           <a:p>
-            <a:r>
-              <a:rPr lang="ru-RU" dirty="0" smtClean="0"/>
-              <a:t>Библиотека </a:t>
-            </a:r>
-            <a:r>
-              <a:rPr lang="en-US" dirty="0" err="1" smtClean="0"/>
-              <a:t>lider_table.sgl</a:t>
-            </a:r>
-            <a:r>
-              <a:rPr lang="en-US" dirty="0" smtClean="0"/>
-              <a:t> </a:t>
-            </a:r>
-            <a:r>
-              <a:rPr lang="en-US" dirty="0"/>
-              <a:t> </a:t>
-            </a:r>
-            <a:r>
-              <a:rPr lang="ru-RU" dirty="0" smtClean="0"/>
-              <a:t>для записи </a:t>
-            </a:r>
+            <a:pPr>
+              <a:buFont typeface="Wingdings" pitchFamily="18" charset="2"/>
+              <a:buChar char="§"/>
+            </a:pPr>
             <a:r>
               <a:rPr lang="ru-RU" dirty="0"/>
-              <a:t>рекорда</a:t>
-            </a:r>
-            <a:r>
-              <a:rPr lang="ru-RU" dirty="0" smtClean="0"/>
-              <a:t>.</a:t>
+              <a:t> Различные платформы: обычные, ломающиеся, движущиеся.</a:t>
             </a:r>
           </a:p>
           <a:p>
-            <a:r>
-              <a:rPr lang="ru-RU" dirty="0" smtClean="0"/>
-              <a:t> Различные </a:t>
-            </a:r>
+            <a:pPr>
+              <a:buFont typeface="Wingdings" pitchFamily="18" charset="2"/>
+              <a:buChar char="§"/>
+            </a:pPr>
             <a:r>
               <a:rPr lang="ru-RU" dirty="0"/>
-              <a:t>платформы: обычные, ломающиеся, движущиеся</a:t>
-            </a:r>
-            <a:r>
-              <a:rPr lang="ru-RU" dirty="0" smtClean="0"/>
-              <a:t>.</a:t>
+              <a:t>Есть сюрикены для убийства врагов. </a:t>
             </a:r>
           </a:p>
           <a:p>
+            <a:pPr>
+              <a:buFont typeface="Wingdings" pitchFamily="18" charset="2"/>
+              <a:buChar char="§"/>
+            </a:pPr>
             <a:r>
-              <a:rPr lang="ru-RU" dirty="0" smtClean="0"/>
-              <a:t>Есть </a:t>
-            </a:r>
-            <a:r>
-              <a:rPr lang="ru-RU" dirty="0" err="1" smtClean="0"/>
-              <a:t>сюрикены</a:t>
-            </a:r>
-            <a:r>
-              <a:rPr lang="ru-RU" dirty="0" smtClean="0"/>
-              <a:t> для убийства </a:t>
-            </a:r>
-            <a:r>
-              <a:rPr lang="ru-RU" dirty="0" err="1" smtClean="0"/>
-              <a:t>нпс</a:t>
-            </a:r>
-            <a:r>
-              <a:rPr lang="ru-RU" dirty="0" smtClean="0"/>
-              <a:t>. </a:t>
-            </a:r>
-          </a:p>
-          <a:p>
-            <a:r>
-              <a:rPr lang="ru-RU" dirty="0" smtClean="0"/>
+              <a:rPr lang="ru-RU" dirty="0"/>
               <a:t>Выбор уровня сложности.</a:t>
             </a:r>
           </a:p>
           <a:p>
+            <a:pPr>
+              <a:buFont typeface="Wingdings" pitchFamily="18" charset="2"/>
+              <a:buChar char="§"/>
+            </a:pPr>
             <a:r>
-              <a:rPr lang="ru-RU" dirty="0" smtClean="0"/>
+              <a:rPr lang="ru-RU" dirty="0"/>
               <a:t>Есть начальный экран и экран в конце игры.</a:t>
             </a:r>
           </a:p>
           <a:p>
-            <a:endParaRPr lang="ru-RU" dirty="0" smtClean="0"/>
+            <a:pPr>
+              <a:buFont typeface="Wingdings" pitchFamily="18" charset="2"/>
+              <a:buChar char="§"/>
+            </a:pPr>
+            <a:endParaRPr lang="ru-RU" dirty="0"/>
           </a:p>
           <a:p>
+            <a:pPr>
+              <a:buFont typeface="Wingdings" pitchFamily="18" charset="2"/>
+              <a:buChar char="§"/>
+            </a:pPr>
             <a:endParaRPr lang="ru-RU" dirty="0"/>
           </a:p>
         </p:txBody>
@@ -14085,13 +14124,6 @@
   <p:clrMapOvr>
     <a:masterClrMapping/>
   </p:clrMapOvr>
-  <p:timing>
-    <p:tnLst>
-      <p:par>
-        <p:cTn id="1" dur="indefinite" restart="never" nodeType="tmRoot"/>
-      </p:par>
-    </p:tnLst>
-  </p:timing>
 </p:sld>
 </file>
 
@@ -14128,10 +14160,9 @@
           <a:lstStyle/>
           <a:p>
             <a:r>
-              <a:rPr lang="ru-RU" dirty="0" smtClean="0"/>
+              <a:rPr lang="ru-RU" dirty="0"/>
               <a:t>Что можно делать в игре</a:t>
             </a:r>
-            <a:endParaRPr lang="ru-RU" dirty="0"/>
           </a:p>
         </p:txBody>
       </p:sp>
@@ -14154,15 +14185,15 @@
               <a:buNone/>
             </a:pPr>
             <a:r>
-              <a:rPr lang="ru-RU" dirty="0" smtClean="0"/>
+              <a:rPr lang="ru-RU" dirty="0"/>
               <a:t>Многие играли в игру </a:t>
             </a:r>
             <a:r>
-              <a:rPr lang="en-US" dirty="0" smtClean="0"/>
+              <a:rPr lang="en-US" dirty="0"/>
               <a:t>Doodle jump</a:t>
             </a:r>
             <a:r>
-              <a:rPr lang="ru-RU" dirty="0" smtClean="0"/>
+              <a:rPr lang="ru-RU" dirty="0"/>
               <a:t>. Весь смысл игры - прыгать по платформам вверх. </a:t>
             </a:r>
           </a:p>
@@ -14171,7 +14202,7 @@
               <a:buNone/>
             </a:pPr>
             <a:r>
-              <a:rPr lang="ru-RU" dirty="0" smtClean="0"/>
+              <a:rPr lang="ru-RU" dirty="0"/>
               <a:t>В нашей игре еще добавлены некоторые функции, которых нет в оригинале.</a:t>
             </a:r>
           </a:p>
@@ -14187,13 +14218,6 @@
   <p:clrMapOvr>
     <a:masterClrMapping/>
   </p:clrMapOvr>
-  <p:timing>
-    <p:tnLst>
-      <p:par>
-        <p:cTn id="1" dur="indefinite" restart="never" nodeType="tmRoot"/>
-      </p:par>
-    </p:tnLst>
-  </p:timing>
 </p:sld>
 </file>
 
@@ -14230,10 +14254,9 @@
           <a:lstStyle/>
           <a:p>
             <a:r>
-              <a:rPr lang="ru-RU" dirty="0" smtClean="0"/>
+              <a:rPr lang="ru-RU" dirty="0"/>
               <a:t>Что умеет</a:t>
             </a:r>
-            <a:endParaRPr lang="ru-RU" dirty="0"/>
           </a:p>
         </p:txBody>
       </p:sp>
@@ -14249,49 +14272,50 @@
         </p:nvSpPr>
         <p:spPr/>
         <p:txBody>
-          <a:bodyPr/>
+          <a:bodyPr vert="horz" lIns="91440" tIns="45720" rIns="91440" bIns="45720" rtlCol="0" anchor="t">
+            <a:normAutofit/>
+          </a:bodyPr>
           <a:lstStyle/>
           <a:p>
+            <a:pPr>
+              <a:buFont typeface="Wingdings" pitchFamily="18" charset="2"/>
+              <a:buChar char="§"/>
+            </a:pPr>
             <a:r>
-              <a:rPr lang="ru-RU" dirty="0" smtClean="0"/>
-              <a:t>Стрелять </a:t>
+              <a:rPr lang="ru-RU" dirty="0"/>
+              <a:t>Стрелять сюрикенами.</a:t>
             </a:r>
-            <a:r>
-              <a:rPr lang="ru-RU" dirty="0" err="1" smtClean="0"/>
-              <a:t>сюрикенами</a:t>
-            </a:r>
-            <a:r>
-              <a:rPr lang="ru-RU" dirty="0" smtClean="0"/>
-              <a:t>.</a:t>
-            </a:r>
-            <a:endParaRPr lang="ru-RU" dirty="0"/>
+            <a:endParaRPr lang="ru-RU"/>
           </a:p>
           <a:p>
+            <a:pPr>
+              <a:buFont typeface="Wingdings" pitchFamily="18" charset="2"/>
+              <a:buChar char="§"/>
+            </a:pPr>
             <a:r>
-              <a:rPr lang="ru-RU" dirty="0" smtClean="0"/>
+              <a:rPr lang="ru-RU" dirty="0"/>
               <a:t>Можно выбирать режимы сложности.</a:t>
             </a:r>
           </a:p>
           <a:p>
+            <a:pPr>
+              <a:buFont typeface="Wingdings" pitchFamily="18" charset="2"/>
+              <a:buChar char="§"/>
+            </a:pPr>
             <a:r>
-              <a:rPr lang="ru-RU" dirty="0" smtClean="0"/>
+              <a:rPr lang="ru-RU" dirty="0"/>
               <a:t>Записывать рекорды.</a:t>
             </a:r>
           </a:p>
           <a:p>
+            <a:pPr>
+              <a:buFont typeface="Wingdings" pitchFamily="18" charset="2"/>
+              <a:buChar char="§"/>
+            </a:pPr>
             <a:r>
-              <a:rPr lang="ru-RU" dirty="0" smtClean="0"/>
-              <a:t>Вводить </a:t>
+              <a:rPr lang="ru-RU" dirty="0"/>
+              <a:t>Вводить никнейм.</a:t>
             </a:r>
-            <a:r>
-              <a:rPr lang="ru-RU" dirty="0" err="1" smtClean="0"/>
-              <a:t>никнейм</a:t>
-            </a:r>
-            <a:r>
-              <a:rPr lang="ru-RU" dirty="0" smtClean="0"/>
-              <a:t>.</a:t>
-            </a:r>
-            <a:endParaRPr lang="ru-RU" dirty="0"/>
           </a:p>
         </p:txBody>
       </p:sp>
@@ -14305,13 +14329,6 @@
   <p:clrMapOvr>
     <a:masterClrMapping/>
   </p:clrMapOvr>
-  <p:timing>
-    <p:tnLst>
-      <p:par>
-        <p:cTn id="1" dur="indefinite" restart="never" nodeType="tmRoot"/>
-      </p:par>
-    </p:tnLst>
-  </p:timing>
 </p:sld>
 </file>
 
@@ -14348,10 +14365,9 @@
           <a:lstStyle/>
           <a:p>
             <a:r>
-              <a:rPr lang="ru-RU" dirty="0" smtClean="0"/>
+              <a:rPr lang="ru-RU" dirty="0"/>
               <a:t>Демонстрация игры</a:t>
             </a:r>
-            <a:endParaRPr lang="ru-RU" dirty="0"/>
           </a:p>
         </p:txBody>
       </p:sp>
@@ -14454,13 +14470,6 @@
   <p:clrMapOvr>
     <a:masterClrMapping/>
   </p:clrMapOvr>
-  <p:timing>
-    <p:tnLst>
-      <p:par>
-        <p:cTn id="1" dur="indefinite" restart="never" nodeType="tmRoot"/>
-      </p:par>
-    </p:tnLst>
-  </p:timing>
 </p:sld>
 </file>
 
@@ -14497,10 +14506,9 @@
           <a:lstStyle/>
           <a:p>
             <a:r>
-              <a:rPr lang="ru-RU" dirty="0" smtClean="0"/>
+              <a:rPr lang="ru-RU" dirty="0"/>
               <a:t>Что можно добавить</a:t>
             </a:r>
-            <a:endParaRPr lang="ru-RU" dirty="0"/>
           </a:p>
         </p:txBody>
       </p:sp>
@@ -14516,52 +14524,60 @@
         </p:nvSpPr>
         <p:spPr/>
         <p:txBody>
-          <a:bodyPr/>
+          <a:bodyPr vert="horz" lIns="91440" tIns="45720" rIns="91440" bIns="45720" rtlCol="0" anchor="t">
+            <a:normAutofit/>
+          </a:bodyPr>
           <a:lstStyle/>
           <a:p>
+            <a:pPr>
+              <a:buFont typeface="Wingdings" pitchFamily="18" charset="2"/>
+              <a:buChar char="§"/>
+            </a:pPr>
             <a:r>
-              <a:rPr lang="ru-RU" dirty="0" smtClean="0"/>
+              <a:rPr lang="ru-RU" dirty="0"/>
               <a:t>Валюту, которая будет даваться за рекорды.</a:t>
+            </a:r>
+            <a:endParaRPr lang="ru-RU"/>
+          </a:p>
+          <a:p>
+            <a:pPr>
+              <a:buFont typeface="Wingdings" pitchFamily="18" charset="2"/>
+              <a:buChar char="§"/>
+            </a:pPr>
+            <a:r>
+              <a:rPr lang="ru-RU" dirty="0"/>
+              <a:t>Окно с покупкой скинов.</a:t>
             </a:r>
           </a:p>
           <a:p>
+            <a:pPr>
+              <a:buFont typeface="Wingdings" pitchFamily="18" charset="2"/>
+              <a:buChar char="§"/>
+            </a:pPr>
             <a:r>
-              <a:rPr lang="ru-RU" dirty="0" smtClean="0"/>
-              <a:t>Окно с покупкой </a:t>
-            </a:r>
-            <a:r>
-              <a:rPr lang="ru-RU" dirty="0" err="1" smtClean="0"/>
-              <a:t>скинов</a:t>
-            </a:r>
-            <a:r>
-              <a:rPr lang="ru-RU" dirty="0" smtClean="0"/>
-              <a:t>.</a:t>
+              <a:rPr lang="ru-RU" dirty="0"/>
+              <a:t>Скины на сюрикены.</a:t>
             </a:r>
           </a:p>
           <a:p>
+            <a:pPr>
+              <a:buFont typeface="Wingdings" pitchFamily="18" charset="2"/>
+              <a:buChar char="§"/>
+            </a:pPr>
             <a:r>
-              <a:rPr lang="ru-RU" dirty="0" err="1" smtClean="0"/>
-              <a:t>Скины</a:t>
-            </a:r>
-            <a:r>
-              <a:rPr lang="ru-RU" dirty="0" smtClean="0"/>
-              <a:t> на </a:t>
-            </a:r>
-            <a:r>
-              <a:rPr lang="ru-RU" dirty="0" err="1" smtClean="0"/>
-              <a:t>сюрикены</a:t>
-            </a:r>
-            <a:r>
-              <a:rPr lang="ru-RU" dirty="0" smtClean="0"/>
-              <a:t>.</a:t>
+              <a:rPr lang="ru-RU" dirty="0"/>
+              <a:t>Различные карты.</a:t>
             </a:r>
           </a:p>
           <a:p>
+            <a:pPr>
+              <a:buFont typeface="Wingdings" pitchFamily="18" charset="2"/>
+              <a:buChar char="§"/>
+            </a:pPr>
             <a:r>
-              <a:rPr lang="ru-RU" dirty="0" smtClean="0"/>
-              <a:t>Различные карты.</a:t>
+              <a:rPr lang="ru-RU" dirty="0"/>
+              <a:t>Других Врагов</a:t>
             </a:r>
-            <a:endParaRPr lang="ru-RU" dirty="0"/>
           </a:p>
         </p:txBody>
       </p:sp>
@@ -14575,13 +14591,6 @@
   <p:clrMapOvr>
     <a:masterClrMapping/>
   </p:clrMapOvr>
-  <p:timing>
-    <p:tnLst>
-      <p:par>
-        <p:cTn id="1" dur="indefinite" restart="never" nodeType="tmRoot"/>
-      </p:par>
-    </p:tnLst>
-  </p:timing>
 </p:sld>
 </file>
 

--- a/doodle.pptx
+++ b/doodle.pptx
@@ -1,8 +1,8 @@
 
 <file path=ppt/presentation.xml><?xml version="1.0" encoding="utf-8"?>
-<p:presentation xmlns:a="http://schemas.openxmlformats.org/drawingml/2006/main" xmlns:r="http://schemas.openxmlformats.org/officeDocument/2006/relationships" xmlns:p="http://schemas.openxmlformats.org/presentationml/2006/main" saveSubsetFonts="1">
+<p:presentation xmlns:a="http://schemas.openxmlformats.org/drawingml/2006/main" xmlns:r="http://schemas.openxmlformats.org/officeDocument/2006/relationships" xmlns:p="http://schemas.openxmlformats.org/presentationml/2006/main">
   <p:sldMasterIdLst>
-    <p:sldMasterId id="2147483660" r:id="rId1"/>
+    <p:sldMasterId id="2147483648" r:id="rId1"/>
   </p:sldMasterIdLst>
   <p:sldIdLst>
     <p:sldId id="256" r:id="rId2"/>
@@ -132,8 +132,7 @@
 <file path=ppt/revisionInfo.xml><?xml version="1.0" encoding="utf-8"?>
 <p1510:revInfo xmlns:a="http://schemas.openxmlformats.org/drawingml/2006/main" xmlns:r="http://schemas.openxmlformats.org/officeDocument/2006/relationships" xmlns:p1510="http://schemas.microsoft.com/office/powerpoint/2015/10/main">
   <p1510:revLst>
-    <p1510:client id="{49955738-E1E1-4490-AD58-68579315BD34}" v="8" dt="2024-01-17T14:09:38.916"/>
-    <p1510:client id="{5A90A4D3-0F95-449C-A4C4-EDECC3118643}" v="54" dt="2024-01-17T14:07:21.737"/>
+    <p1510:client id="{D050164A-3EC3-466F-978E-F312213A0335}" v="17" dt="2024-01-19T17:30:54.493"/>
   </p1510:revLst>
 </p1510:revInfo>
 </file>
@@ -829,63 +828,63 @@
                 <a:gd name="connsiteY3" fmla="*/ 605641 h 1175656"/>
                 <a:gd name="connsiteX4" fmla="*/ 9144000 w 9144000"/>
                 <a:gd name="connsiteY4" fmla="*/ 0 h 1175656"/>
-                <a:gd name="connsiteX0" fmla="*/ 0 w 9144000"/>
-                <a:gd name="connsiteY0" fmla="*/ 1270659 h 1330035"/>
-                <a:gd name="connsiteX1" fmla="*/ 1674420 w 9144000"/>
-                <a:gd name="connsiteY1" fmla="*/ 1318160 h 1330035"/>
-                <a:gd name="connsiteX2" fmla="*/ 4120737 w 9144000"/>
-                <a:gd name="connsiteY2" fmla="*/ 1199407 h 1330035"/>
-                <a:gd name="connsiteX3" fmla="*/ 7172696 w 9144000"/>
-                <a:gd name="connsiteY3" fmla="*/ 760020 h 1330035"/>
-                <a:gd name="connsiteX4" fmla="*/ 9144000 w 9144000"/>
-                <a:gd name="connsiteY4" fmla="*/ 0 h 1330035"/>
-                <a:gd name="connsiteX0" fmla="*/ 0 w 9144000"/>
-                <a:gd name="connsiteY0" fmla="*/ 1270659 h 1330035"/>
-                <a:gd name="connsiteX1" fmla="*/ 1674420 w 9144000"/>
-                <a:gd name="connsiteY1" fmla="*/ 1318160 h 1330035"/>
-                <a:gd name="connsiteX2" fmla="*/ 4120737 w 9144000"/>
-                <a:gd name="connsiteY2" fmla="*/ 1199407 h 1330035"/>
-                <a:gd name="connsiteX3" fmla="*/ 7172696 w 9144000"/>
-                <a:gd name="connsiteY3" fmla="*/ 760020 h 1330035"/>
-                <a:gd name="connsiteX4" fmla="*/ 9144000 w 9144000"/>
-                <a:gd name="connsiteY4" fmla="*/ 0 h 1330035"/>
-                <a:gd name="connsiteX0" fmla="*/ 0 w 9144000"/>
-                <a:gd name="connsiteY0" fmla="*/ 1270659 h 1330035"/>
-                <a:gd name="connsiteX1" fmla="*/ 1674420 w 9144000"/>
-                <a:gd name="connsiteY1" fmla="*/ 1318160 h 1330035"/>
-                <a:gd name="connsiteX2" fmla="*/ 4120737 w 9144000"/>
-                <a:gd name="connsiteY2" fmla="*/ 1199407 h 1330035"/>
-                <a:gd name="connsiteX3" fmla="*/ 7172696 w 9144000"/>
-                <a:gd name="connsiteY3" fmla="*/ 760020 h 1330035"/>
-                <a:gd name="connsiteX4" fmla="*/ 9144000 w 9144000"/>
-                <a:gd name="connsiteY4" fmla="*/ 0 h 1330035"/>
-                <a:gd name="connsiteX0" fmla="*/ 0 w 9144000"/>
-                <a:gd name="connsiteY0" fmla="*/ 1116279 h 1175655"/>
-                <a:gd name="connsiteX1" fmla="*/ 1674420 w 9144000"/>
-                <a:gd name="connsiteY1" fmla="*/ 1163780 h 1175655"/>
-                <a:gd name="connsiteX2" fmla="*/ 4120737 w 9144000"/>
-                <a:gd name="connsiteY2" fmla="*/ 1045027 h 1175655"/>
-                <a:gd name="connsiteX3" fmla="*/ 7172696 w 9144000"/>
-                <a:gd name="connsiteY3" fmla="*/ 605640 h 1175655"/>
-                <a:gd name="connsiteX4" fmla="*/ 9144000 w 9144000"/>
-                <a:gd name="connsiteY4" fmla="*/ 0 h 1175655"/>
+                <a:gd name="connsiteX0-1" fmla="*/ 0 w 9144000"/>
+                <a:gd name="connsiteY0-2" fmla="*/ 1270659 h 1330035"/>
+                <a:gd name="connsiteX1-3" fmla="*/ 1674420 w 9144000"/>
+                <a:gd name="connsiteY1-4" fmla="*/ 1318160 h 1330035"/>
+                <a:gd name="connsiteX2-5" fmla="*/ 4120737 w 9144000"/>
+                <a:gd name="connsiteY2-6" fmla="*/ 1199407 h 1330035"/>
+                <a:gd name="connsiteX3-7" fmla="*/ 7172696 w 9144000"/>
+                <a:gd name="connsiteY3-8" fmla="*/ 760020 h 1330035"/>
+                <a:gd name="connsiteX4-9" fmla="*/ 9144000 w 9144000"/>
+                <a:gd name="connsiteY4-10" fmla="*/ 0 h 1330035"/>
+                <a:gd name="connsiteX0-11" fmla="*/ 0 w 9144000"/>
+                <a:gd name="connsiteY0-12" fmla="*/ 1270659 h 1330035"/>
+                <a:gd name="connsiteX1-13" fmla="*/ 1674420 w 9144000"/>
+                <a:gd name="connsiteY1-14" fmla="*/ 1318160 h 1330035"/>
+                <a:gd name="connsiteX2-15" fmla="*/ 4120737 w 9144000"/>
+                <a:gd name="connsiteY2-16" fmla="*/ 1199407 h 1330035"/>
+                <a:gd name="connsiteX3-17" fmla="*/ 7172696 w 9144000"/>
+                <a:gd name="connsiteY3-18" fmla="*/ 760020 h 1330035"/>
+                <a:gd name="connsiteX4-19" fmla="*/ 9144000 w 9144000"/>
+                <a:gd name="connsiteY4-20" fmla="*/ 0 h 1330035"/>
+                <a:gd name="connsiteX0-21" fmla="*/ 0 w 9144000"/>
+                <a:gd name="connsiteY0-22" fmla="*/ 1270659 h 1330035"/>
+                <a:gd name="connsiteX1-23" fmla="*/ 1674420 w 9144000"/>
+                <a:gd name="connsiteY1-24" fmla="*/ 1318160 h 1330035"/>
+                <a:gd name="connsiteX2-25" fmla="*/ 4120737 w 9144000"/>
+                <a:gd name="connsiteY2-26" fmla="*/ 1199407 h 1330035"/>
+                <a:gd name="connsiteX3-27" fmla="*/ 7172696 w 9144000"/>
+                <a:gd name="connsiteY3-28" fmla="*/ 760020 h 1330035"/>
+                <a:gd name="connsiteX4-29" fmla="*/ 9144000 w 9144000"/>
+                <a:gd name="connsiteY4-30" fmla="*/ 0 h 1330035"/>
+                <a:gd name="connsiteX0-31" fmla="*/ 0 w 9144000"/>
+                <a:gd name="connsiteY0-32" fmla="*/ 1116279 h 1175655"/>
+                <a:gd name="connsiteX1-33" fmla="*/ 1674420 w 9144000"/>
+                <a:gd name="connsiteY1-34" fmla="*/ 1163780 h 1175655"/>
+                <a:gd name="connsiteX2-35" fmla="*/ 4120737 w 9144000"/>
+                <a:gd name="connsiteY2-36" fmla="*/ 1045027 h 1175655"/>
+                <a:gd name="connsiteX3-37" fmla="*/ 7172696 w 9144000"/>
+                <a:gd name="connsiteY3-38" fmla="*/ 605640 h 1175655"/>
+                <a:gd name="connsiteX4-39" fmla="*/ 9144000 w 9144000"/>
+                <a:gd name="connsiteY4-40" fmla="*/ 0 h 1175655"/>
               </a:gdLst>
               <a:ahLst/>
               <a:cxnLst>
                 <a:cxn ang="0">
-                  <a:pos x="connsiteX0" y="connsiteY0"/>
-                </a:cxn>
-                <a:cxn ang="0">
-                  <a:pos x="connsiteX1" y="connsiteY1"/>
-                </a:cxn>
-                <a:cxn ang="0">
-                  <a:pos x="connsiteX2" y="connsiteY2"/>
-                </a:cxn>
-                <a:cxn ang="0">
-                  <a:pos x="connsiteX3" y="connsiteY3"/>
-                </a:cxn>
-                <a:cxn ang="0">
-                  <a:pos x="connsiteX4" y="connsiteY4"/>
+                  <a:pos x="connsiteX0-1" y="connsiteY0-2"/>
+                </a:cxn>
+                <a:cxn ang="0">
+                  <a:pos x="connsiteX1-3" y="connsiteY1-4"/>
+                </a:cxn>
+                <a:cxn ang="0">
+                  <a:pos x="connsiteX2-5" y="connsiteY2-6"/>
+                </a:cxn>
+                <a:cxn ang="0">
+                  <a:pos x="connsiteX3-7" y="connsiteY3-8"/>
+                </a:cxn>
+                <a:cxn ang="0">
+                  <a:pos x="connsiteX4-9" y="connsiteY4-10"/>
                 </a:cxn>
               </a:cxnLst>
               <a:rect l="l" t="t" r="r" b="b"/>
@@ -1711,57 +1710,57 @@
                 <a:gd name="connsiteY5" fmla="*/ 1388236 h 1388236"/>
                 <a:gd name="connsiteX6" fmla="*/ 0 w 1601400"/>
                 <a:gd name="connsiteY6" fmla="*/ 694118 h 1388236"/>
-                <a:gd name="connsiteX0" fmla="*/ 0 w 1261499"/>
-                <a:gd name="connsiteY0" fmla="*/ 105098 h 1388236"/>
-                <a:gd name="connsiteX1" fmla="*/ 56357 w 1261499"/>
-                <a:gd name="connsiteY1" fmla="*/ 0 h 1388236"/>
-                <a:gd name="connsiteX2" fmla="*/ 865241 w 1261499"/>
-                <a:gd name="connsiteY2" fmla="*/ 0 h 1388236"/>
-                <a:gd name="connsiteX3" fmla="*/ 1261499 w 1261499"/>
-                <a:gd name="connsiteY3" fmla="*/ 694118 h 1388236"/>
-                <a:gd name="connsiteX4" fmla="*/ 865241 w 1261499"/>
-                <a:gd name="connsiteY4" fmla="*/ 1388236 h 1388236"/>
-                <a:gd name="connsiteX5" fmla="*/ 56357 w 1261499"/>
-                <a:gd name="connsiteY5" fmla="*/ 1388236 h 1388236"/>
-                <a:gd name="connsiteX6" fmla="*/ 0 w 1261499"/>
-                <a:gd name="connsiteY6" fmla="*/ 105098 h 1388236"/>
-                <a:gd name="connsiteX0" fmla="*/ 0 w 1261499"/>
-                <a:gd name="connsiteY0" fmla="*/ 105098 h 1388236"/>
-                <a:gd name="connsiteX1" fmla="*/ 56357 w 1261499"/>
-                <a:gd name="connsiteY1" fmla="*/ 0 h 1388236"/>
-                <a:gd name="connsiteX2" fmla="*/ 865241 w 1261499"/>
-                <a:gd name="connsiteY2" fmla="*/ 0 h 1388236"/>
-                <a:gd name="connsiteX3" fmla="*/ 1261499 w 1261499"/>
-                <a:gd name="connsiteY3" fmla="*/ 694118 h 1388236"/>
-                <a:gd name="connsiteX4" fmla="*/ 865241 w 1261499"/>
-                <a:gd name="connsiteY4" fmla="*/ 1388236 h 1388236"/>
-                <a:gd name="connsiteX5" fmla="*/ 744578 w 1261499"/>
-                <a:gd name="connsiteY5" fmla="*/ 1387893 h 1388236"/>
-                <a:gd name="connsiteX6" fmla="*/ 0 w 1261499"/>
-                <a:gd name="connsiteY6" fmla="*/ 105098 h 1388236"/>
+                <a:gd name="connsiteX0-1" fmla="*/ 0 w 1261499"/>
+                <a:gd name="connsiteY0-2" fmla="*/ 105098 h 1388236"/>
+                <a:gd name="connsiteX1-3" fmla="*/ 56357 w 1261499"/>
+                <a:gd name="connsiteY1-4" fmla="*/ 0 h 1388236"/>
+                <a:gd name="connsiteX2-5" fmla="*/ 865241 w 1261499"/>
+                <a:gd name="connsiteY2-6" fmla="*/ 0 h 1388236"/>
+                <a:gd name="connsiteX3-7" fmla="*/ 1261499 w 1261499"/>
+                <a:gd name="connsiteY3-8" fmla="*/ 694118 h 1388236"/>
+                <a:gd name="connsiteX4-9" fmla="*/ 865241 w 1261499"/>
+                <a:gd name="connsiteY4-10" fmla="*/ 1388236 h 1388236"/>
+                <a:gd name="connsiteX5-11" fmla="*/ 56357 w 1261499"/>
+                <a:gd name="connsiteY5-12" fmla="*/ 1388236 h 1388236"/>
+                <a:gd name="connsiteX6-13" fmla="*/ 0 w 1261499"/>
+                <a:gd name="connsiteY6-14" fmla="*/ 105098 h 1388236"/>
+                <a:gd name="connsiteX0-15" fmla="*/ 0 w 1261499"/>
+                <a:gd name="connsiteY0-16" fmla="*/ 105098 h 1388236"/>
+                <a:gd name="connsiteX1-17" fmla="*/ 56357 w 1261499"/>
+                <a:gd name="connsiteY1-18" fmla="*/ 0 h 1388236"/>
+                <a:gd name="connsiteX2-19" fmla="*/ 865241 w 1261499"/>
+                <a:gd name="connsiteY2-20" fmla="*/ 0 h 1388236"/>
+                <a:gd name="connsiteX3-21" fmla="*/ 1261499 w 1261499"/>
+                <a:gd name="connsiteY3-22" fmla="*/ 694118 h 1388236"/>
+                <a:gd name="connsiteX4-23" fmla="*/ 865241 w 1261499"/>
+                <a:gd name="connsiteY4-24" fmla="*/ 1388236 h 1388236"/>
+                <a:gd name="connsiteX5-25" fmla="*/ 744578 w 1261499"/>
+                <a:gd name="connsiteY5-26" fmla="*/ 1387893 h 1388236"/>
+                <a:gd name="connsiteX6-27" fmla="*/ 0 w 1261499"/>
+                <a:gd name="connsiteY6-28" fmla="*/ 105098 h 1388236"/>
               </a:gdLst>
               <a:ahLst/>
               <a:cxnLst>
                 <a:cxn ang="0">
-                  <a:pos x="connsiteX0" y="connsiteY0"/>
-                </a:cxn>
-                <a:cxn ang="0">
-                  <a:pos x="connsiteX1" y="connsiteY1"/>
-                </a:cxn>
-                <a:cxn ang="0">
-                  <a:pos x="connsiteX2" y="connsiteY2"/>
-                </a:cxn>
-                <a:cxn ang="0">
-                  <a:pos x="connsiteX3" y="connsiteY3"/>
-                </a:cxn>
-                <a:cxn ang="0">
-                  <a:pos x="connsiteX4" y="connsiteY4"/>
-                </a:cxn>
-                <a:cxn ang="0">
-                  <a:pos x="connsiteX5" y="connsiteY5"/>
-                </a:cxn>
-                <a:cxn ang="0">
-                  <a:pos x="connsiteX6" y="connsiteY6"/>
+                  <a:pos x="connsiteX0-1" y="connsiteY0-2"/>
+                </a:cxn>
+                <a:cxn ang="0">
+                  <a:pos x="connsiteX1-3" y="connsiteY1-4"/>
+                </a:cxn>
+                <a:cxn ang="0">
+                  <a:pos x="connsiteX2-5" y="connsiteY2-6"/>
+                </a:cxn>
+                <a:cxn ang="0">
+                  <a:pos x="connsiteX3-7" y="connsiteY3-8"/>
+                </a:cxn>
+                <a:cxn ang="0">
+                  <a:pos x="connsiteX4-9" y="connsiteY4-10"/>
+                </a:cxn>
+                <a:cxn ang="0">
+                  <a:pos x="connsiteX5-11" y="connsiteY5-12"/>
+                </a:cxn>
+                <a:cxn ang="0">
+                  <a:pos x="connsiteX6-13" y="connsiteY6-14"/>
                 </a:cxn>
               </a:cxnLst>
               <a:rect l="l" t="t" r="r" b="b"/>
@@ -2353,57 +2352,57 @@
                 <a:gd name="connsiteY5" fmla="*/ 1388236 h 1388236"/>
                 <a:gd name="connsiteX6" fmla="*/ 0 w 1601400"/>
                 <a:gd name="connsiteY6" fmla="*/ 694118 h 1388236"/>
-                <a:gd name="connsiteX0" fmla="*/ 0 w 1601400"/>
-                <a:gd name="connsiteY0" fmla="*/ 694118 h 1388236"/>
-                <a:gd name="connsiteX1" fmla="*/ 396258 w 1601400"/>
-                <a:gd name="connsiteY1" fmla="*/ 0 h 1388236"/>
-                <a:gd name="connsiteX2" fmla="*/ 474029 w 1601400"/>
-                <a:gd name="connsiteY2" fmla="*/ 4016 h 1388236"/>
-                <a:gd name="connsiteX3" fmla="*/ 1601400 w 1601400"/>
-                <a:gd name="connsiteY3" fmla="*/ 694118 h 1388236"/>
-                <a:gd name="connsiteX4" fmla="*/ 1205142 w 1601400"/>
-                <a:gd name="connsiteY4" fmla="*/ 1388236 h 1388236"/>
-                <a:gd name="connsiteX5" fmla="*/ 396258 w 1601400"/>
-                <a:gd name="connsiteY5" fmla="*/ 1388236 h 1388236"/>
-                <a:gd name="connsiteX6" fmla="*/ 0 w 1601400"/>
-                <a:gd name="connsiteY6" fmla="*/ 694118 h 1388236"/>
-                <a:gd name="connsiteX0" fmla="*/ 0 w 1243407"/>
-                <a:gd name="connsiteY0" fmla="*/ 694118 h 1388236"/>
-                <a:gd name="connsiteX1" fmla="*/ 396258 w 1243407"/>
-                <a:gd name="connsiteY1" fmla="*/ 0 h 1388236"/>
-                <a:gd name="connsiteX2" fmla="*/ 474029 w 1243407"/>
-                <a:gd name="connsiteY2" fmla="*/ 4016 h 1388236"/>
-                <a:gd name="connsiteX3" fmla="*/ 1243407 w 1243407"/>
-                <a:gd name="connsiteY3" fmla="*/ 1325983 h 1388236"/>
-                <a:gd name="connsiteX4" fmla="*/ 1205142 w 1243407"/>
-                <a:gd name="connsiteY4" fmla="*/ 1388236 h 1388236"/>
-                <a:gd name="connsiteX5" fmla="*/ 396258 w 1243407"/>
-                <a:gd name="connsiteY5" fmla="*/ 1388236 h 1388236"/>
-                <a:gd name="connsiteX6" fmla="*/ 0 w 1243407"/>
-                <a:gd name="connsiteY6" fmla="*/ 694118 h 1388236"/>
+                <a:gd name="connsiteX0-1" fmla="*/ 0 w 1601400"/>
+                <a:gd name="connsiteY0-2" fmla="*/ 694118 h 1388236"/>
+                <a:gd name="connsiteX1-3" fmla="*/ 396258 w 1601400"/>
+                <a:gd name="connsiteY1-4" fmla="*/ 0 h 1388236"/>
+                <a:gd name="connsiteX2-5" fmla="*/ 474029 w 1601400"/>
+                <a:gd name="connsiteY2-6" fmla="*/ 4016 h 1388236"/>
+                <a:gd name="connsiteX3-7" fmla="*/ 1601400 w 1601400"/>
+                <a:gd name="connsiteY3-8" fmla="*/ 694118 h 1388236"/>
+                <a:gd name="connsiteX4-9" fmla="*/ 1205142 w 1601400"/>
+                <a:gd name="connsiteY4-10" fmla="*/ 1388236 h 1388236"/>
+                <a:gd name="connsiteX5-11" fmla="*/ 396258 w 1601400"/>
+                <a:gd name="connsiteY5-12" fmla="*/ 1388236 h 1388236"/>
+                <a:gd name="connsiteX6-13" fmla="*/ 0 w 1601400"/>
+                <a:gd name="connsiteY6-14" fmla="*/ 694118 h 1388236"/>
+                <a:gd name="connsiteX0-15" fmla="*/ 0 w 1243407"/>
+                <a:gd name="connsiteY0-16" fmla="*/ 694118 h 1388236"/>
+                <a:gd name="connsiteX1-17" fmla="*/ 396258 w 1243407"/>
+                <a:gd name="connsiteY1-18" fmla="*/ 0 h 1388236"/>
+                <a:gd name="connsiteX2-19" fmla="*/ 474029 w 1243407"/>
+                <a:gd name="connsiteY2-20" fmla="*/ 4016 h 1388236"/>
+                <a:gd name="connsiteX3-21" fmla="*/ 1243407 w 1243407"/>
+                <a:gd name="connsiteY3-22" fmla="*/ 1325983 h 1388236"/>
+                <a:gd name="connsiteX4-23" fmla="*/ 1205142 w 1243407"/>
+                <a:gd name="connsiteY4-24" fmla="*/ 1388236 h 1388236"/>
+                <a:gd name="connsiteX5-25" fmla="*/ 396258 w 1243407"/>
+                <a:gd name="connsiteY5-26" fmla="*/ 1388236 h 1388236"/>
+                <a:gd name="connsiteX6-27" fmla="*/ 0 w 1243407"/>
+                <a:gd name="connsiteY6-28" fmla="*/ 694118 h 1388236"/>
               </a:gdLst>
               <a:ahLst/>
               <a:cxnLst>
                 <a:cxn ang="0">
-                  <a:pos x="connsiteX0" y="connsiteY0"/>
-                </a:cxn>
-                <a:cxn ang="0">
-                  <a:pos x="connsiteX1" y="connsiteY1"/>
-                </a:cxn>
-                <a:cxn ang="0">
-                  <a:pos x="connsiteX2" y="connsiteY2"/>
-                </a:cxn>
-                <a:cxn ang="0">
-                  <a:pos x="connsiteX3" y="connsiteY3"/>
-                </a:cxn>
-                <a:cxn ang="0">
-                  <a:pos x="connsiteX4" y="connsiteY4"/>
-                </a:cxn>
-                <a:cxn ang="0">
-                  <a:pos x="connsiteX5" y="connsiteY5"/>
-                </a:cxn>
-                <a:cxn ang="0">
-                  <a:pos x="connsiteX6" y="connsiteY6"/>
+                  <a:pos x="connsiteX0-1" y="connsiteY0-2"/>
+                </a:cxn>
+                <a:cxn ang="0">
+                  <a:pos x="connsiteX1-3" y="connsiteY1-4"/>
+                </a:cxn>
+                <a:cxn ang="0">
+                  <a:pos x="connsiteX2-5" y="connsiteY2-6"/>
+                </a:cxn>
+                <a:cxn ang="0">
+                  <a:pos x="connsiteX3-7" y="connsiteY3-8"/>
+                </a:cxn>
+                <a:cxn ang="0">
+                  <a:pos x="connsiteX4-9" y="connsiteY4-10"/>
+                </a:cxn>
+                <a:cxn ang="0">
+                  <a:pos x="connsiteX5-11" y="connsiteY5-12"/>
+                </a:cxn>
+                <a:cxn ang="0">
+                  <a:pos x="connsiteX6-13" y="connsiteY6-14"/>
                 </a:cxn>
               </a:cxnLst>
               <a:rect l="l" t="t" r="r" b="b"/>
@@ -2500,57 +2499,57 @@
                 <a:gd name="connsiteY5" fmla="*/ 1388236 h 1388236"/>
                 <a:gd name="connsiteX6" fmla="*/ 0 w 1601400"/>
                 <a:gd name="connsiteY6" fmla="*/ 694118 h 1388236"/>
-                <a:gd name="connsiteX0" fmla="*/ 0 w 1601400"/>
-                <a:gd name="connsiteY0" fmla="*/ 694704 h 1388822"/>
-                <a:gd name="connsiteX1" fmla="*/ 396258 w 1601400"/>
-                <a:gd name="connsiteY1" fmla="*/ 586 h 1388822"/>
-                <a:gd name="connsiteX2" fmla="*/ 482002 w 1601400"/>
-                <a:gd name="connsiteY2" fmla="*/ 0 h 1388822"/>
-                <a:gd name="connsiteX3" fmla="*/ 1601400 w 1601400"/>
-                <a:gd name="connsiteY3" fmla="*/ 694704 h 1388822"/>
-                <a:gd name="connsiteX4" fmla="*/ 1205142 w 1601400"/>
-                <a:gd name="connsiteY4" fmla="*/ 1388822 h 1388822"/>
-                <a:gd name="connsiteX5" fmla="*/ 396258 w 1601400"/>
-                <a:gd name="connsiteY5" fmla="*/ 1388822 h 1388822"/>
-                <a:gd name="connsiteX6" fmla="*/ 0 w 1601400"/>
-                <a:gd name="connsiteY6" fmla="*/ 694704 h 1388822"/>
-                <a:gd name="connsiteX0" fmla="*/ 0 w 1241871"/>
-                <a:gd name="connsiteY0" fmla="*/ 694704 h 1388822"/>
-                <a:gd name="connsiteX1" fmla="*/ 396258 w 1241871"/>
-                <a:gd name="connsiteY1" fmla="*/ 586 h 1388822"/>
-                <a:gd name="connsiteX2" fmla="*/ 482002 w 1241871"/>
-                <a:gd name="connsiteY2" fmla="*/ 0 h 1388822"/>
-                <a:gd name="connsiteX3" fmla="*/ 1241871 w 1241871"/>
-                <a:gd name="connsiteY3" fmla="*/ 1323912 h 1388822"/>
-                <a:gd name="connsiteX4" fmla="*/ 1205142 w 1241871"/>
-                <a:gd name="connsiteY4" fmla="*/ 1388822 h 1388822"/>
-                <a:gd name="connsiteX5" fmla="*/ 396258 w 1241871"/>
-                <a:gd name="connsiteY5" fmla="*/ 1388822 h 1388822"/>
-                <a:gd name="connsiteX6" fmla="*/ 0 w 1241871"/>
-                <a:gd name="connsiteY6" fmla="*/ 694704 h 1388822"/>
+                <a:gd name="connsiteX0-1" fmla="*/ 0 w 1601400"/>
+                <a:gd name="connsiteY0-2" fmla="*/ 694704 h 1388822"/>
+                <a:gd name="connsiteX1-3" fmla="*/ 396258 w 1601400"/>
+                <a:gd name="connsiteY1-4" fmla="*/ 586 h 1388822"/>
+                <a:gd name="connsiteX2-5" fmla="*/ 482002 w 1601400"/>
+                <a:gd name="connsiteY2-6" fmla="*/ 0 h 1388822"/>
+                <a:gd name="connsiteX3-7" fmla="*/ 1601400 w 1601400"/>
+                <a:gd name="connsiteY3-8" fmla="*/ 694704 h 1388822"/>
+                <a:gd name="connsiteX4-9" fmla="*/ 1205142 w 1601400"/>
+                <a:gd name="connsiteY4-10" fmla="*/ 1388822 h 1388822"/>
+                <a:gd name="connsiteX5-11" fmla="*/ 396258 w 1601400"/>
+                <a:gd name="connsiteY5-12" fmla="*/ 1388822 h 1388822"/>
+                <a:gd name="connsiteX6-13" fmla="*/ 0 w 1601400"/>
+                <a:gd name="connsiteY6-14" fmla="*/ 694704 h 1388822"/>
+                <a:gd name="connsiteX0-15" fmla="*/ 0 w 1241871"/>
+                <a:gd name="connsiteY0-16" fmla="*/ 694704 h 1388822"/>
+                <a:gd name="connsiteX1-17" fmla="*/ 396258 w 1241871"/>
+                <a:gd name="connsiteY1-18" fmla="*/ 586 h 1388822"/>
+                <a:gd name="connsiteX2-19" fmla="*/ 482002 w 1241871"/>
+                <a:gd name="connsiteY2-20" fmla="*/ 0 h 1388822"/>
+                <a:gd name="connsiteX3-21" fmla="*/ 1241871 w 1241871"/>
+                <a:gd name="connsiteY3-22" fmla="*/ 1323912 h 1388822"/>
+                <a:gd name="connsiteX4-23" fmla="*/ 1205142 w 1241871"/>
+                <a:gd name="connsiteY4-24" fmla="*/ 1388822 h 1388822"/>
+                <a:gd name="connsiteX5-25" fmla="*/ 396258 w 1241871"/>
+                <a:gd name="connsiteY5-26" fmla="*/ 1388822 h 1388822"/>
+                <a:gd name="connsiteX6-27" fmla="*/ 0 w 1241871"/>
+                <a:gd name="connsiteY6-28" fmla="*/ 694704 h 1388822"/>
               </a:gdLst>
               <a:ahLst/>
               <a:cxnLst>
                 <a:cxn ang="0">
-                  <a:pos x="connsiteX0" y="connsiteY0"/>
-                </a:cxn>
-                <a:cxn ang="0">
-                  <a:pos x="connsiteX1" y="connsiteY1"/>
-                </a:cxn>
-                <a:cxn ang="0">
-                  <a:pos x="connsiteX2" y="connsiteY2"/>
-                </a:cxn>
-                <a:cxn ang="0">
-                  <a:pos x="connsiteX3" y="connsiteY3"/>
-                </a:cxn>
-                <a:cxn ang="0">
-                  <a:pos x="connsiteX4" y="connsiteY4"/>
-                </a:cxn>
-                <a:cxn ang="0">
-                  <a:pos x="connsiteX5" y="connsiteY5"/>
-                </a:cxn>
-                <a:cxn ang="0">
-                  <a:pos x="connsiteX6" y="connsiteY6"/>
+                  <a:pos x="connsiteX0-1" y="connsiteY0-2"/>
+                </a:cxn>
+                <a:cxn ang="0">
+                  <a:pos x="connsiteX1-3" y="connsiteY1-4"/>
+                </a:cxn>
+                <a:cxn ang="0">
+                  <a:pos x="connsiteX2-5" y="connsiteY2-6"/>
+                </a:cxn>
+                <a:cxn ang="0">
+                  <a:pos x="connsiteX3-7" y="connsiteY3-8"/>
+                </a:cxn>
+                <a:cxn ang="0">
+                  <a:pos x="connsiteX4-9" y="connsiteY4-10"/>
+                </a:cxn>
+                <a:cxn ang="0">
+                  <a:pos x="connsiteX5-11" y="connsiteY5-12"/>
+                </a:cxn>
+                <a:cxn ang="0">
+                  <a:pos x="connsiteX6-13" y="connsiteY6-14"/>
                 </a:cxn>
               </a:cxnLst>
               <a:rect l="l" t="t" r="r" b="b"/>
@@ -2895,7 +2894,7 @@
           <a:p>
             <a:fld id="{B4C71EC6-210F-42DE-9C53-41977AD35B3D}" type="datetimeFigureOut">
               <a:rPr lang="ru-RU" smtClean="0"/>
-              <a:t>17.01.2024</a:t>
+              <a:t>19.01.2024</a:t>
             </a:fld>
             <a:endParaRPr lang="ru-RU"/>
           </a:p>
@@ -3180,7 +3179,7 @@
           <a:p>
             <a:fld id="{B4C71EC6-210F-42DE-9C53-41977AD35B3D}" type="datetimeFigureOut">
               <a:rPr lang="ru-RU" smtClean="0"/>
-              <a:t>17.01.2024</a:t>
+              <a:t>19.01.2024</a:t>
             </a:fld>
             <a:endParaRPr lang="ru-RU"/>
           </a:p>
@@ -3355,7 +3354,7 @@
           <a:p>
             <a:fld id="{B4C71EC6-210F-42DE-9C53-41977AD35B3D}" type="datetimeFigureOut">
               <a:rPr lang="ru-RU" smtClean="0"/>
-              <a:t>17.01.2024</a:t>
+              <a:t>19.01.2024</a:t>
             </a:fld>
             <a:endParaRPr lang="ru-RU"/>
           </a:p>
@@ -3520,7 +3519,7 @@
           <a:p>
             <a:fld id="{B4C71EC6-210F-42DE-9C53-41977AD35B3D}" type="datetimeFigureOut">
               <a:rPr lang="ru-RU" smtClean="0"/>
-              <a:t>17.01.2024</a:t>
+              <a:t>19.01.2024</a:t>
             </a:fld>
             <a:endParaRPr lang="ru-RU"/>
           </a:p>
@@ -3761,7 +3760,7 @@
           <a:p>
             <a:fld id="{B4C71EC6-210F-42DE-9C53-41977AD35B3D}" type="datetimeFigureOut">
               <a:rPr lang="ru-RU" smtClean="0"/>
-              <a:t>17.01.2024</a:t>
+              <a:t>19.01.2024</a:t>
             </a:fld>
             <a:endParaRPr lang="ru-RU"/>
           </a:p>
@@ -3874,7 +3873,7 @@
           <a:p>
             <a:fld id="{B4C71EC6-210F-42DE-9C53-41977AD35B3D}" type="datetimeFigureOut">
               <a:rPr lang="ru-RU" smtClean="0"/>
-              <a:t>17.01.2024</a:t>
+              <a:t>19.01.2024</a:t>
             </a:fld>
             <a:endParaRPr lang="ru-RU"/>
           </a:p>
@@ -4413,7 +4412,7 @@
           <a:p>
             <a:fld id="{B4C71EC6-210F-42DE-9C53-41977AD35B3D}" type="datetimeFigureOut">
               <a:rPr lang="ru-RU" smtClean="0"/>
-              <a:t>17.01.2024</a:t>
+              <a:t>19.01.2024</a:t>
             </a:fld>
             <a:endParaRPr lang="ru-RU"/>
           </a:p>
@@ -4526,7 +4525,7 @@
           <a:p>
             <a:fld id="{B4C71EC6-210F-42DE-9C53-41977AD35B3D}" type="datetimeFigureOut">
               <a:rPr lang="ru-RU" smtClean="0"/>
-              <a:t>17.01.2024</a:t>
+              <a:t>19.01.2024</a:t>
             </a:fld>
             <a:endParaRPr lang="ru-RU"/>
           </a:p>
@@ -4616,7 +4615,7 @@
           <a:p>
             <a:fld id="{B4C71EC6-210F-42DE-9C53-41977AD35B3D}" type="datetimeFigureOut">
               <a:rPr lang="ru-RU" smtClean="0"/>
-              <a:t>17.01.2024</a:t>
+              <a:t>19.01.2024</a:t>
             </a:fld>
             <a:endParaRPr lang="ru-RU"/>
           </a:p>
@@ -5363,63 +5362,63 @@
                 <a:gd name="connsiteY3" fmla="*/ 605641 h 1175656"/>
                 <a:gd name="connsiteX4" fmla="*/ 9144000 w 9144000"/>
                 <a:gd name="connsiteY4" fmla="*/ 0 h 1175656"/>
-                <a:gd name="connsiteX0" fmla="*/ 0 w 9144000"/>
-                <a:gd name="connsiteY0" fmla="*/ 1270659 h 1330035"/>
-                <a:gd name="connsiteX1" fmla="*/ 1674420 w 9144000"/>
-                <a:gd name="connsiteY1" fmla="*/ 1318160 h 1330035"/>
-                <a:gd name="connsiteX2" fmla="*/ 4120737 w 9144000"/>
-                <a:gd name="connsiteY2" fmla="*/ 1199407 h 1330035"/>
-                <a:gd name="connsiteX3" fmla="*/ 7172696 w 9144000"/>
-                <a:gd name="connsiteY3" fmla="*/ 760020 h 1330035"/>
-                <a:gd name="connsiteX4" fmla="*/ 9144000 w 9144000"/>
-                <a:gd name="connsiteY4" fmla="*/ 0 h 1330035"/>
-                <a:gd name="connsiteX0" fmla="*/ 0 w 9144000"/>
-                <a:gd name="connsiteY0" fmla="*/ 1270659 h 1330035"/>
-                <a:gd name="connsiteX1" fmla="*/ 1674420 w 9144000"/>
-                <a:gd name="connsiteY1" fmla="*/ 1318160 h 1330035"/>
-                <a:gd name="connsiteX2" fmla="*/ 4120737 w 9144000"/>
-                <a:gd name="connsiteY2" fmla="*/ 1199407 h 1330035"/>
-                <a:gd name="connsiteX3" fmla="*/ 7172696 w 9144000"/>
-                <a:gd name="connsiteY3" fmla="*/ 760020 h 1330035"/>
-                <a:gd name="connsiteX4" fmla="*/ 9144000 w 9144000"/>
-                <a:gd name="connsiteY4" fmla="*/ 0 h 1330035"/>
-                <a:gd name="connsiteX0" fmla="*/ 0 w 9144000"/>
-                <a:gd name="connsiteY0" fmla="*/ 1270659 h 1330035"/>
-                <a:gd name="connsiteX1" fmla="*/ 1674420 w 9144000"/>
-                <a:gd name="connsiteY1" fmla="*/ 1318160 h 1330035"/>
-                <a:gd name="connsiteX2" fmla="*/ 4120737 w 9144000"/>
-                <a:gd name="connsiteY2" fmla="*/ 1199407 h 1330035"/>
-                <a:gd name="connsiteX3" fmla="*/ 7172696 w 9144000"/>
-                <a:gd name="connsiteY3" fmla="*/ 760020 h 1330035"/>
-                <a:gd name="connsiteX4" fmla="*/ 9144000 w 9144000"/>
-                <a:gd name="connsiteY4" fmla="*/ 0 h 1330035"/>
-                <a:gd name="connsiteX0" fmla="*/ 0 w 9144000"/>
-                <a:gd name="connsiteY0" fmla="*/ 1116279 h 1175655"/>
-                <a:gd name="connsiteX1" fmla="*/ 1674420 w 9144000"/>
-                <a:gd name="connsiteY1" fmla="*/ 1163780 h 1175655"/>
-                <a:gd name="connsiteX2" fmla="*/ 4120737 w 9144000"/>
-                <a:gd name="connsiteY2" fmla="*/ 1045027 h 1175655"/>
-                <a:gd name="connsiteX3" fmla="*/ 7172696 w 9144000"/>
-                <a:gd name="connsiteY3" fmla="*/ 605640 h 1175655"/>
-                <a:gd name="connsiteX4" fmla="*/ 9144000 w 9144000"/>
-                <a:gd name="connsiteY4" fmla="*/ 0 h 1175655"/>
+                <a:gd name="connsiteX0-1" fmla="*/ 0 w 9144000"/>
+                <a:gd name="connsiteY0-2" fmla="*/ 1270659 h 1330035"/>
+                <a:gd name="connsiteX1-3" fmla="*/ 1674420 w 9144000"/>
+                <a:gd name="connsiteY1-4" fmla="*/ 1318160 h 1330035"/>
+                <a:gd name="connsiteX2-5" fmla="*/ 4120737 w 9144000"/>
+                <a:gd name="connsiteY2-6" fmla="*/ 1199407 h 1330035"/>
+                <a:gd name="connsiteX3-7" fmla="*/ 7172696 w 9144000"/>
+                <a:gd name="connsiteY3-8" fmla="*/ 760020 h 1330035"/>
+                <a:gd name="connsiteX4-9" fmla="*/ 9144000 w 9144000"/>
+                <a:gd name="connsiteY4-10" fmla="*/ 0 h 1330035"/>
+                <a:gd name="connsiteX0-11" fmla="*/ 0 w 9144000"/>
+                <a:gd name="connsiteY0-12" fmla="*/ 1270659 h 1330035"/>
+                <a:gd name="connsiteX1-13" fmla="*/ 1674420 w 9144000"/>
+                <a:gd name="connsiteY1-14" fmla="*/ 1318160 h 1330035"/>
+                <a:gd name="connsiteX2-15" fmla="*/ 4120737 w 9144000"/>
+                <a:gd name="connsiteY2-16" fmla="*/ 1199407 h 1330035"/>
+                <a:gd name="connsiteX3-17" fmla="*/ 7172696 w 9144000"/>
+                <a:gd name="connsiteY3-18" fmla="*/ 760020 h 1330035"/>
+                <a:gd name="connsiteX4-19" fmla="*/ 9144000 w 9144000"/>
+                <a:gd name="connsiteY4-20" fmla="*/ 0 h 1330035"/>
+                <a:gd name="connsiteX0-21" fmla="*/ 0 w 9144000"/>
+                <a:gd name="connsiteY0-22" fmla="*/ 1270659 h 1330035"/>
+                <a:gd name="connsiteX1-23" fmla="*/ 1674420 w 9144000"/>
+                <a:gd name="connsiteY1-24" fmla="*/ 1318160 h 1330035"/>
+                <a:gd name="connsiteX2-25" fmla="*/ 4120737 w 9144000"/>
+                <a:gd name="connsiteY2-26" fmla="*/ 1199407 h 1330035"/>
+                <a:gd name="connsiteX3-27" fmla="*/ 7172696 w 9144000"/>
+                <a:gd name="connsiteY3-28" fmla="*/ 760020 h 1330035"/>
+                <a:gd name="connsiteX4-29" fmla="*/ 9144000 w 9144000"/>
+                <a:gd name="connsiteY4-30" fmla="*/ 0 h 1330035"/>
+                <a:gd name="connsiteX0-31" fmla="*/ 0 w 9144000"/>
+                <a:gd name="connsiteY0-32" fmla="*/ 1116279 h 1175655"/>
+                <a:gd name="connsiteX1-33" fmla="*/ 1674420 w 9144000"/>
+                <a:gd name="connsiteY1-34" fmla="*/ 1163780 h 1175655"/>
+                <a:gd name="connsiteX2-35" fmla="*/ 4120737 w 9144000"/>
+                <a:gd name="connsiteY2-36" fmla="*/ 1045027 h 1175655"/>
+                <a:gd name="connsiteX3-37" fmla="*/ 7172696 w 9144000"/>
+                <a:gd name="connsiteY3-38" fmla="*/ 605640 h 1175655"/>
+                <a:gd name="connsiteX4-39" fmla="*/ 9144000 w 9144000"/>
+                <a:gd name="connsiteY4-40" fmla="*/ 0 h 1175655"/>
               </a:gdLst>
               <a:ahLst/>
               <a:cxnLst>
                 <a:cxn ang="0">
-                  <a:pos x="connsiteX0" y="connsiteY0"/>
-                </a:cxn>
-                <a:cxn ang="0">
-                  <a:pos x="connsiteX1" y="connsiteY1"/>
-                </a:cxn>
-                <a:cxn ang="0">
-                  <a:pos x="connsiteX2" y="connsiteY2"/>
-                </a:cxn>
-                <a:cxn ang="0">
-                  <a:pos x="connsiteX3" y="connsiteY3"/>
-                </a:cxn>
-                <a:cxn ang="0">
-                  <a:pos x="connsiteX4" y="connsiteY4"/>
+                  <a:pos x="connsiteX0-1" y="connsiteY0-2"/>
+                </a:cxn>
+                <a:cxn ang="0">
+                  <a:pos x="connsiteX1-3" y="connsiteY1-4"/>
+                </a:cxn>
+                <a:cxn ang="0">
+                  <a:pos x="connsiteX2-5" y="connsiteY2-6"/>
+                </a:cxn>
+                <a:cxn ang="0">
+                  <a:pos x="connsiteX3-7" y="connsiteY3-8"/>
+                </a:cxn>
+                <a:cxn ang="0">
+                  <a:pos x="connsiteX4-9" y="connsiteY4-10"/>
                 </a:cxn>
               </a:cxnLst>
               <a:rect l="l" t="t" r="r" b="b"/>
@@ -6245,57 +6244,57 @@
                 <a:gd name="connsiteY5" fmla="*/ 1388236 h 1388236"/>
                 <a:gd name="connsiteX6" fmla="*/ 0 w 1601400"/>
                 <a:gd name="connsiteY6" fmla="*/ 694118 h 1388236"/>
-                <a:gd name="connsiteX0" fmla="*/ 0 w 1261499"/>
-                <a:gd name="connsiteY0" fmla="*/ 105098 h 1388236"/>
-                <a:gd name="connsiteX1" fmla="*/ 56357 w 1261499"/>
-                <a:gd name="connsiteY1" fmla="*/ 0 h 1388236"/>
-                <a:gd name="connsiteX2" fmla="*/ 865241 w 1261499"/>
-                <a:gd name="connsiteY2" fmla="*/ 0 h 1388236"/>
-                <a:gd name="connsiteX3" fmla="*/ 1261499 w 1261499"/>
-                <a:gd name="connsiteY3" fmla="*/ 694118 h 1388236"/>
-                <a:gd name="connsiteX4" fmla="*/ 865241 w 1261499"/>
-                <a:gd name="connsiteY4" fmla="*/ 1388236 h 1388236"/>
-                <a:gd name="connsiteX5" fmla="*/ 56357 w 1261499"/>
-                <a:gd name="connsiteY5" fmla="*/ 1388236 h 1388236"/>
-                <a:gd name="connsiteX6" fmla="*/ 0 w 1261499"/>
-                <a:gd name="connsiteY6" fmla="*/ 105098 h 1388236"/>
-                <a:gd name="connsiteX0" fmla="*/ 0 w 1261499"/>
-                <a:gd name="connsiteY0" fmla="*/ 105098 h 1388236"/>
-                <a:gd name="connsiteX1" fmla="*/ 56357 w 1261499"/>
-                <a:gd name="connsiteY1" fmla="*/ 0 h 1388236"/>
-                <a:gd name="connsiteX2" fmla="*/ 865241 w 1261499"/>
-                <a:gd name="connsiteY2" fmla="*/ 0 h 1388236"/>
-                <a:gd name="connsiteX3" fmla="*/ 1261499 w 1261499"/>
-                <a:gd name="connsiteY3" fmla="*/ 694118 h 1388236"/>
-                <a:gd name="connsiteX4" fmla="*/ 865241 w 1261499"/>
-                <a:gd name="connsiteY4" fmla="*/ 1388236 h 1388236"/>
-                <a:gd name="connsiteX5" fmla="*/ 744578 w 1261499"/>
-                <a:gd name="connsiteY5" fmla="*/ 1387893 h 1388236"/>
-                <a:gd name="connsiteX6" fmla="*/ 0 w 1261499"/>
-                <a:gd name="connsiteY6" fmla="*/ 105098 h 1388236"/>
+                <a:gd name="connsiteX0-1" fmla="*/ 0 w 1261499"/>
+                <a:gd name="connsiteY0-2" fmla="*/ 105098 h 1388236"/>
+                <a:gd name="connsiteX1-3" fmla="*/ 56357 w 1261499"/>
+                <a:gd name="connsiteY1-4" fmla="*/ 0 h 1388236"/>
+                <a:gd name="connsiteX2-5" fmla="*/ 865241 w 1261499"/>
+                <a:gd name="connsiteY2-6" fmla="*/ 0 h 1388236"/>
+                <a:gd name="connsiteX3-7" fmla="*/ 1261499 w 1261499"/>
+                <a:gd name="connsiteY3-8" fmla="*/ 694118 h 1388236"/>
+                <a:gd name="connsiteX4-9" fmla="*/ 865241 w 1261499"/>
+                <a:gd name="connsiteY4-10" fmla="*/ 1388236 h 1388236"/>
+                <a:gd name="connsiteX5-11" fmla="*/ 56357 w 1261499"/>
+                <a:gd name="connsiteY5-12" fmla="*/ 1388236 h 1388236"/>
+                <a:gd name="connsiteX6-13" fmla="*/ 0 w 1261499"/>
+                <a:gd name="connsiteY6-14" fmla="*/ 105098 h 1388236"/>
+                <a:gd name="connsiteX0-15" fmla="*/ 0 w 1261499"/>
+                <a:gd name="connsiteY0-16" fmla="*/ 105098 h 1388236"/>
+                <a:gd name="connsiteX1-17" fmla="*/ 56357 w 1261499"/>
+                <a:gd name="connsiteY1-18" fmla="*/ 0 h 1388236"/>
+                <a:gd name="connsiteX2-19" fmla="*/ 865241 w 1261499"/>
+                <a:gd name="connsiteY2-20" fmla="*/ 0 h 1388236"/>
+                <a:gd name="connsiteX3-21" fmla="*/ 1261499 w 1261499"/>
+                <a:gd name="connsiteY3-22" fmla="*/ 694118 h 1388236"/>
+                <a:gd name="connsiteX4-23" fmla="*/ 865241 w 1261499"/>
+                <a:gd name="connsiteY4-24" fmla="*/ 1388236 h 1388236"/>
+                <a:gd name="connsiteX5-25" fmla="*/ 744578 w 1261499"/>
+                <a:gd name="connsiteY5-26" fmla="*/ 1387893 h 1388236"/>
+                <a:gd name="connsiteX6-27" fmla="*/ 0 w 1261499"/>
+                <a:gd name="connsiteY6-28" fmla="*/ 105098 h 1388236"/>
               </a:gdLst>
               <a:ahLst/>
               <a:cxnLst>
                 <a:cxn ang="0">
-                  <a:pos x="connsiteX0" y="connsiteY0"/>
-                </a:cxn>
-                <a:cxn ang="0">
-                  <a:pos x="connsiteX1" y="connsiteY1"/>
-                </a:cxn>
-                <a:cxn ang="0">
-                  <a:pos x="connsiteX2" y="connsiteY2"/>
-                </a:cxn>
-                <a:cxn ang="0">
-                  <a:pos x="connsiteX3" y="connsiteY3"/>
-                </a:cxn>
-                <a:cxn ang="0">
-                  <a:pos x="connsiteX4" y="connsiteY4"/>
-                </a:cxn>
-                <a:cxn ang="0">
-                  <a:pos x="connsiteX5" y="connsiteY5"/>
-                </a:cxn>
-                <a:cxn ang="0">
-                  <a:pos x="connsiteX6" y="connsiteY6"/>
+                  <a:pos x="connsiteX0-1" y="connsiteY0-2"/>
+                </a:cxn>
+                <a:cxn ang="0">
+                  <a:pos x="connsiteX1-3" y="connsiteY1-4"/>
+                </a:cxn>
+                <a:cxn ang="0">
+                  <a:pos x="connsiteX2-5" y="connsiteY2-6"/>
+                </a:cxn>
+                <a:cxn ang="0">
+                  <a:pos x="connsiteX3-7" y="connsiteY3-8"/>
+                </a:cxn>
+                <a:cxn ang="0">
+                  <a:pos x="connsiteX4-9" y="connsiteY4-10"/>
+                </a:cxn>
+                <a:cxn ang="0">
+                  <a:pos x="connsiteX5-11" y="connsiteY5-12"/>
+                </a:cxn>
+                <a:cxn ang="0">
+                  <a:pos x="connsiteX6-13" y="connsiteY6-14"/>
                 </a:cxn>
               </a:cxnLst>
               <a:rect l="l" t="t" r="r" b="b"/>
@@ -6887,57 +6886,57 @@
                 <a:gd name="connsiteY5" fmla="*/ 1388236 h 1388236"/>
                 <a:gd name="connsiteX6" fmla="*/ 0 w 1601400"/>
                 <a:gd name="connsiteY6" fmla="*/ 694118 h 1388236"/>
-                <a:gd name="connsiteX0" fmla="*/ 0 w 1601400"/>
-                <a:gd name="connsiteY0" fmla="*/ 694118 h 1388236"/>
-                <a:gd name="connsiteX1" fmla="*/ 396258 w 1601400"/>
-                <a:gd name="connsiteY1" fmla="*/ 0 h 1388236"/>
-                <a:gd name="connsiteX2" fmla="*/ 474029 w 1601400"/>
-                <a:gd name="connsiteY2" fmla="*/ 4016 h 1388236"/>
-                <a:gd name="connsiteX3" fmla="*/ 1601400 w 1601400"/>
-                <a:gd name="connsiteY3" fmla="*/ 694118 h 1388236"/>
-                <a:gd name="connsiteX4" fmla="*/ 1205142 w 1601400"/>
-                <a:gd name="connsiteY4" fmla="*/ 1388236 h 1388236"/>
-                <a:gd name="connsiteX5" fmla="*/ 396258 w 1601400"/>
-                <a:gd name="connsiteY5" fmla="*/ 1388236 h 1388236"/>
-                <a:gd name="connsiteX6" fmla="*/ 0 w 1601400"/>
-                <a:gd name="connsiteY6" fmla="*/ 694118 h 1388236"/>
-                <a:gd name="connsiteX0" fmla="*/ 0 w 1243407"/>
-                <a:gd name="connsiteY0" fmla="*/ 694118 h 1388236"/>
-                <a:gd name="connsiteX1" fmla="*/ 396258 w 1243407"/>
-                <a:gd name="connsiteY1" fmla="*/ 0 h 1388236"/>
-                <a:gd name="connsiteX2" fmla="*/ 474029 w 1243407"/>
-                <a:gd name="connsiteY2" fmla="*/ 4016 h 1388236"/>
-                <a:gd name="connsiteX3" fmla="*/ 1243407 w 1243407"/>
-                <a:gd name="connsiteY3" fmla="*/ 1325983 h 1388236"/>
-                <a:gd name="connsiteX4" fmla="*/ 1205142 w 1243407"/>
-                <a:gd name="connsiteY4" fmla="*/ 1388236 h 1388236"/>
-                <a:gd name="connsiteX5" fmla="*/ 396258 w 1243407"/>
-                <a:gd name="connsiteY5" fmla="*/ 1388236 h 1388236"/>
-                <a:gd name="connsiteX6" fmla="*/ 0 w 1243407"/>
-                <a:gd name="connsiteY6" fmla="*/ 694118 h 1388236"/>
+                <a:gd name="connsiteX0-1" fmla="*/ 0 w 1601400"/>
+                <a:gd name="connsiteY0-2" fmla="*/ 694118 h 1388236"/>
+                <a:gd name="connsiteX1-3" fmla="*/ 396258 w 1601400"/>
+                <a:gd name="connsiteY1-4" fmla="*/ 0 h 1388236"/>
+                <a:gd name="connsiteX2-5" fmla="*/ 474029 w 1601400"/>
+                <a:gd name="connsiteY2-6" fmla="*/ 4016 h 1388236"/>
+                <a:gd name="connsiteX3-7" fmla="*/ 1601400 w 1601400"/>
+                <a:gd name="connsiteY3-8" fmla="*/ 694118 h 1388236"/>
+                <a:gd name="connsiteX4-9" fmla="*/ 1205142 w 1601400"/>
+                <a:gd name="connsiteY4-10" fmla="*/ 1388236 h 1388236"/>
+                <a:gd name="connsiteX5-11" fmla="*/ 396258 w 1601400"/>
+                <a:gd name="connsiteY5-12" fmla="*/ 1388236 h 1388236"/>
+                <a:gd name="connsiteX6-13" fmla="*/ 0 w 1601400"/>
+                <a:gd name="connsiteY6-14" fmla="*/ 694118 h 1388236"/>
+                <a:gd name="connsiteX0-15" fmla="*/ 0 w 1243407"/>
+                <a:gd name="connsiteY0-16" fmla="*/ 694118 h 1388236"/>
+                <a:gd name="connsiteX1-17" fmla="*/ 396258 w 1243407"/>
+                <a:gd name="connsiteY1-18" fmla="*/ 0 h 1388236"/>
+                <a:gd name="connsiteX2-19" fmla="*/ 474029 w 1243407"/>
+                <a:gd name="connsiteY2-20" fmla="*/ 4016 h 1388236"/>
+                <a:gd name="connsiteX3-21" fmla="*/ 1243407 w 1243407"/>
+                <a:gd name="connsiteY3-22" fmla="*/ 1325983 h 1388236"/>
+                <a:gd name="connsiteX4-23" fmla="*/ 1205142 w 1243407"/>
+                <a:gd name="connsiteY4-24" fmla="*/ 1388236 h 1388236"/>
+                <a:gd name="connsiteX5-25" fmla="*/ 396258 w 1243407"/>
+                <a:gd name="connsiteY5-26" fmla="*/ 1388236 h 1388236"/>
+                <a:gd name="connsiteX6-27" fmla="*/ 0 w 1243407"/>
+                <a:gd name="connsiteY6-28" fmla="*/ 694118 h 1388236"/>
               </a:gdLst>
               <a:ahLst/>
               <a:cxnLst>
                 <a:cxn ang="0">
-                  <a:pos x="connsiteX0" y="connsiteY0"/>
-                </a:cxn>
-                <a:cxn ang="0">
-                  <a:pos x="connsiteX1" y="connsiteY1"/>
-                </a:cxn>
-                <a:cxn ang="0">
-                  <a:pos x="connsiteX2" y="connsiteY2"/>
-                </a:cxn>
-                <a:cxn ang="0">
-                  <a:pos x="connsiteX3" y="connsiteY3"/>
-                </a:cxn>
-                <a:cxn ang="0">
-                  <a:pos x="connsiteX4" y="connsiteY4"/>
-                </a:cxn>
-                <a:cxn ang="0">
-                  <a:pos x="connsiteX5" y="connsiteY5"/>
-                </a:cxn>
-                <a:cxn ang="0">
-                  <a:pos x="connsiteX6" y="connsiteY6"/>
+                  <a:pos x="connsiteX0-1" y="connsiteY0-2"/>
+                </a:cxn>
+                <a:cxn ang="0">
+                  <a:pos x="connsiteX1-3" y="connsiteY1-4"/>
+                </a:cxn>
+                <a:cxn ang="0">
+                  <a:pos x="connsiteX2-5" y="connsiteY2-6"/>
+                </a:cxn>
+                <a:cxn ang="0">
+                  <a:pos x="connsiteX3-7" y="connsiteY3-8"/>
+                </a:cxn>
+                <a:cxn ang="0">
+                  <a:pos x="connsiteX4-9" y="connsiteY4-10"/>
+                </a:cxn>
+                <a:cxn ang="0">
+                  <a:pos x="connsiteX5-11" y="connsiteY5-12"/>
+                </a:cxn>
+                <a:cxn ang="0">
+                  <a:pos x="connsiteX6-13" y="connsiteY6-14"/>
                 </a:cxn>
               </a:cxnLst>
               <a:rect l="l" t="t" r="r" b="b"/>
@@ -7034,57 +7033,57 @@
                 <a:gd name="connsiteY5" fmla="*/ 1388236 h 1388236"/>
                 <a:gd name="connsiteX6" fmla="*/ 0 w 1601400"/>
                 <a:gd name="connsiteY6" fmla="*/ 694118 h 1388236"/>
-                <a:gd name="connsiteX0" fmla="*/ 0 w 1601400"/>
-                <a:gd name="connsiteY0" fmla="*/ 694704 h 1388822"/>
-                <a:gd name="connsiteX1" fmla="*/ 396258 w 1601400"/>
-                <a:gd name="connsiteY1" fmla="*/ 586 h 1388822"/>
-                <a:gd name="connsiteX2" fmla="*/ 482002 w 1601400"/>
-                <a:gd name="connsiteY2" fmla="*/ 0 h 1388822"/>
-                <a:gd name="connsiteX3" fmla="*/ 1601400 w 1601400"/>
-                <a:gd name="connsiteY3" fmla="*/ 694704 h 1388822"/>
-                <a:gd name="connsiteX4" fmla="*/ 1205142 w 1601400"/>
-                <a:gd name="connsiteY4" fmla="*/ 1388822 h 1388822"/>
-                <a:gd name="connsiteX5" fmla="*/ 396258 w 1601400"/>
-                <a:gd name="connsiteY5" fmla="*/ 1388822 h 1388822"/>
-                <a:gd name="connsiteX6" fmla="*/ 0 w 1601400"/>
-                <a:gd name="connsiteY6" fmla="*/ 694704 h 1388822"/>
-                <a:gd name="connsiteX0" fmla="*/ 0 w 1241871"/>
-                <a:gd name="connsiteY0" fmla="*/ 694704 h 1388822"/>
-                <a:gd name="connsiteX1" fmla="*/ 396258 w 1241871"/>
-                <a:gd name="connsiteY1" fmla="*/ 586 h 1388822"/>
-                <a:gd name="connsiteX2" fmla="*/ 482002 w 1241871"/>
-                <a:gd name="connsiteY2" fmla="*/ 0 h 1388822"/>
-                <a:gd name="connsiteX3" fmla="*/ 1241871 w 1241871"/>
-                <a:gd name="connsiteY3" fmla="*/ 1323912 h 1388822"/>
-                <a:gd name="connsiteX4" fmla="*/ 1205142 w 1241871"/>
-                <a:gd name="connsiteY4" fmla="*/ 1388822 h 1388822"/>
-                <a:gd name="connsiteX5" fmla="*/ 396258 w 1241871"/>
-                <a:gd name="connsiteY5" fmla="*/ 1388822 h 1388822"/>
-                <a:gd name="connsiteX6" fmla="*/ 0 w 1241871"/>
-                <a:gd name="connsiteY6" fmla="*/ 694704 h 1388822"/>
+                <a:gd name="connsiteX0-1" fmla="*/ 0 w 1601400"/>
+                <a:gd name="connsiteY0-2" fmla="*/ 694704 h 1388822"/>
+                <a:gd name="connsiteX1-3" fmla="*/ 396258 w 1601400"/>
+                <a:gd name="connsiteY1-4" fmla="*/ 586 h 1388822"/>
+                <a:gd name="connsiteX2-5" fmla="*/ 482002 w 1601400"/>
+                <a:gd name="connsiteY2-6" fmla="*/ 0 h 1388822"/>
+                <a:gd name="connsiteX3-7" fmla="*/ 1601400 w 1601400"/>
+                <a:gd name="connsiteY3-8" fmla="*/ 694704 h 1388822"/>
+                <a:gd name="connsiteX4-9" fmla="*/ 1205142 w 1601400"/>
+                <a:gd name="connsiteY4-10" fmla="*/ 1388822 h 1388822"/>
+                <a:gd name="connsiteX5-11" fmla="*/ 396258 w 1601400"/>
+                <a:gd name="connsiteY5-12" fmla="*/ 1388822 h 1388822"/>
+                <a:gd name="connsiteX6-13" fmla="*/ 0 w 1601400"/>
+                <a:gd name="connsiteY6-14" fmla="*/ 694704 h 1388822"/>
+                <a:gd name="connsiteX0-15" fmla="*/ 0 w 1241871"/>
+                <a:gd name="connsiteY0-16" fmla="*/ 694704 h 1388822"/>
+                <a:gd name="connsiteX1-17" fmla="*/ 396258 w 1241871"/>
+                <a:gd name="connsiteY1-18" fmla="*/ 586 h 1388822"/>
+                <a:gd name="connsiteX2-19" fmla="*/ 482002 w 1241871"/>
+                <a:gd name="connsiteY2-20" fmla="*/ 0 h 1388822"/>
+                <a:gd name="connsiteX3-21" fmla="*/ 1241871 w 1241871"/>
+                <a:gd name="connsiteY3-22" fmla="*/ 1323912 h 1388822"/>
+                <a:gd name="connsiteX4-23" fmla="*/ 1205142 w 1241871"/>
+                <a:gd name="connsiteY4-24" fmla="*/ 1388822 h 1388822"/>
+                <a:gd name="connsiteX5-25" fmla="*/ 396258 w 1241871"/>
+                <a:gd name="connsiteY5-26" fmla="*/ 1388822 h 1388822"/>
+                <a:gd name="connsiteX6-27" fmla="*/ 0 w 1241871"/>
+                <a:gd name="connsiteY6-28" fmla="*/ 694704 h 1388822"/>
               </a:gdLst>
               <a:ahLst/>
               <a:cxnLst>
                 <a:cxn ang="0">
-                  <a:pos x="connsiteX0" y="connsiteY0"/>
-                </a:cxn>
-                <a:cxn ang="0">
-                  <a:pos x="connsiteX1" y="connsiteY1"/>
-                </a:cxn>
-                <a:cxn ang="0">
-                  <a:pos x="connsiteX2" y="connsiteY2"/>
-                </a:cxn>
-                <a:cxn ang="0">
-                  <a:pos x="connsiteX3" y="connsiteY3"/>
-                </a:cxn>
-                <a:cxn ang="0">
-                  <a:pos x="connsiteX4" y="connsiteY4"/>
-                </a:cxn>
-                <a:cxn ang="0">
-                  <a:pos x="connsiteX5" y="connsiteY5"/>
-                </a:cxn>
-                <a:cxn ang="0">
-                  <a:pos x="connsiteX6" y="connsiteY6"/>
+                  <a:pos x="connsiteX0-1" y="connsiteY0-2"/>
+                </a:cxn>
+                <a:cxn ang="0">
+                  <a:pos x="connsiteX1-3" y="connsiteY1-4"/>
+                </a:cxn>
+                <a:cxn ang="0">
+                  <a:pos x="connsiteX2-5" y="connsiteY2-6"/>
+                </a:cxn>
+                <a:cxn ang="0">
+                  <a:pos x="connsiteX3-7" y="connsiteY3-8"/>
+                </a:cxn>
+                <a:cxn ang="0">
+                  <a:pos x="connsiteX4-9" y="connsiteY4-10"/>
+                </a:cxn>
+                <a:cxn ang="0">
+                  <a:pos x="connsiteX5-11" y="connsiteY5-12"/>
+                </a:cxn>
+                <a:cxn ang="0">
+                  <a:pos x="connsiteX6-13" y="connsiteY6-14"/>
                 </a:cxn>
               </a:cxnLst>
               <a:rect l="l" t="t" r="r" b="b"/>
@@ -7267,7 +7266,7 @@
           <a:p>
             <a:fld id="{B4C71EC6-210F-42DE-9C53-41977AD35B3D}" type="datetimeFigureOut">
               <a:rPr lang="ru-RU" smtClean="0"/>
-              <a:t>17.01.2024</a:t>
+              <a:t>19.01.2024</a:t>
             </a:fld>
             <a:endParaRPr lang="ru-RU"/>
           </a:p>
@@ -8305,63 +8304,63 @@
                 <a:gd name="connsiteY3" fmla="*/ 605641 h 1175656"/>
                 <a:gd name="connsiteX4" fmla="*/ 9144000 w 9144000"/>
                 <a:gd name="connsiteY4" fmla="*/ 0 h 1175656"/>
-                <a:gd name="connsiteX0" fmla="*/ 0 w 9144000"/>
-                <a:gd name="connsiteY0" fmla="*/ 1270659 h 1330035"/>
-                <a:gd name="connsiteX1" fmla="*/ 1674420 w 9144000"/>
-                <a:gd name="connsiteY1" fmla="*/ 1318160 h 1330035"/>
-                <a:gd name="connsiteX2" fmla="*/ 4120737 w 9144000"/>
-                <a:gd name="connsiteY2" fmla="*/ 1199407 h 1330035"/>
-                <a:gd name="connsiteX3" fmla="*/ 7172696 w 9144000"/>
-                <a:gd name="connsiteY3" fmla="*/ 760020 h 1330035"/>
-                <a:gd name="connsiteX4" fmla="*/ 9144000 w 9144000"/>
-                <a:gd name="connsiteY4" fmla="*/ 0 h 1330035"/>
-                <a:gd name="connsiteX0" fmla="*/ 0 w 9144000"/>
-                <a:gd name="connsiteY0" fmla="*/ 1270659 h 1330035"/>
-                <a:gd name="connsiteX1" fmla="*/ 1674420 w 9144000"/>
-                <a:gd name="connsiteY1" fmla="*/ 1318160 h 1330035"/>
-                <a:gd name="connsiteX2" fmla="*/ 4120737 w 9144000"/>
-                <a:gd name="connsiteY2" fmla="*/ 1199407 h 1330035"/>
-                <a:gd name="connsiteX3" fmla="*/ 7172696 w 9144000"/>
-                <a:gd name="connsiteY3" fmla="*/ 760020 h 1330035"/>
-                <a:gd name="connsiteX4" fmla="*/ 9144000 w 9144000"/>
-                <a:gd name="connsiteY4" fmla="*/ 0 h 1330035"/>
-                <a:gd name="connsiteX0" fmla="*/ 0 w 9144000"/>
-                <a:gd name="connsiteY0" fmla="*/ 1270659 h 1330035"/>
-                <a:gd name="connsiteX1" fmla="*/ 1674420 w 9144000"/>
-                <a:gd name="connsiteY1" fmla="*/ 1318160 h 1330035"/>
-                <a:gd name="connsiteX2" fmla="*/ 4120737 w 9144000"/>
-                <a:gd name="connsiteY2" fmla="*/ 1199407 h 1330035"/>
-                <a:gd name="connsiteX3" fmla="*/ 7172696 w 9144000"/>
-                <a:gd name="connsiteY3" fmla="*/ 760020 h 1330035"/>
-                <a:gd name="connsiteX4" fmla="*/ 9144000 w 9144000"/>
-                <a:gd name="connsiteY4" fmla="*/ 0 h 1330035"/>
-                <a:gd name="connsiteX0" fmla="*/ 0 w 9144000"/>
-                <a:gd name="connsiteY0" fmla="*/ 1116279 h 1175655"/>
-                <a:gd name="connsiteX1" fmla="*/ 1674420 w 9144000"/>
-                <a:gd name="connsiteY1" fmla="*/ 1163780 h 1175655"/>
-                <a:gd name="connsiteX2" fmla="*/ 4120737 w 9144000"/>
-                <a:gd name="connsiteY2" fmla="*/ 1045027 h 1175655"/>
-                <a:gd name="connsiteX3" fmla="*/ 7172696 w 9144000"/>
-                <a:gd name="connsiteY3" fmla="*/ 605640 h 1175655"/>
-                <a:gd name="connsiteX4" fmla="*/ 9144000 w 9144000"/>
-                <a:gd name="connsiteY4" fmla="*/ 0 h 1175655"/>
+                <a:gd name="connsiteX0-1" fmla="*/ 0 w 9144000"/>
+                <a:gd name="connsiteY0-2" fmla="*/ 1270659 h 1330035"/>
+                <a:gd name="connsiteX1-3" fmla="*/ 1674420 w 9144000"/>
+                <a:gd name="connsiteY1-4" fmla="*/ 1318160 h 1330035"/>
+                <a:gd name="connsiteX2-5" fmla="*/ 4120737 w 9144000"/>
+                <a:gd name="connsiteY2-6" fmla="*/ 1199407 h 1330035"/>
+                <a:gd name="connsiteX3-7" fmla="*/ 7172696 w 9144000"/>
+                <a:gd name="connsiteY3-8" fmla="*/ 760020 h 1330035"/>
+                <a:gd name="connsiteX4-9" fmla="*/ 9144000 w 9144000"/>
+                <a:gd name="connsiteY4-10" fmla="*/ 0 h 1330035"/>
+                <a:gd name="connsiteX0-11" fmla="*/ 0 w 9144000"/>
+                <a:gd name="connsiteY0-12" fmla="*/ 1270659 h 1330035"/>
+                <a:gd name="connsiteX1-13" fmla="*/ 1674420 w 9144000"/>
+                <a:gd name="connsiteY1-14" fmla="*/ 1318160 h 1330035"/>
+                <a:gd name="connsiteX2-15" fmla="*/ 4120737 w 9144000"/>
+                <a:gd name="connsiteY2-16" fmla="*/ 1199407 h 1330035"/>
+                <a:gd name="connsiteX3-17" fmla="*/ 7172696 w 9144000"/>
+                <a:gd name="connsiteY3-18" fmla="*/ 760020 h 1330035"/>
+                <a:gd name="connsiteX4-19" fmla="*/ 9144000 w 9144000"/>
+                <a:gd name="connsiteY4-20" fmla="*/ 0 h 1330035"/>
+                <a:gd name="connsiteX0-21" fmla="*/ 0 w 9144000"/>
+                <a:gd name="connsiteY0-22" fmla="*/ 1270659 h 1330035"/>
+                <a:gd name="connsiteX1-23" fmla="*/ 1674420 w 9144000"/>
+                <a:gd name="connsiteY1-24" fmla="*/ 1318160 h 1330035"/>
+                <a:gd name="connsiteX2-25" fmla="*/ 4120737 w 9144000"/>
+                <a:gd name="connsiteY2-26" fmla="*/ 1199407 h 1330035"/>
+                <a:gd name="connsiteX3-27" fmla="*/ 7172696 w 9144000"/>
+                <a:gd name="connsiteY3-28" fmla="*/ 760020 h 1330035"/>
+                <a:gd name="connsiteX4-29" fmla="*/ 9144000 w 9144000"/>
+                <a:gd name="connsiteY4-30" fmla="*/ 0 h 1330035"/>
+                <a:gd name="connsiteX0-31" fmla="*/ 0 w 9144000"/>
+                <a:gd name="connsiteY0-32" fmla="*/ 1116279 h 1175655"/>
+                <a:gd name="connsiteX1-33" fmla="*/ 1674420 w 9144000"/>
+                <a:gd name="connsiteY1-34" fmla="*/ 1163780 h 1175655"/>
+                <a:gd name="connsiteX2-35" fmla="*/ 4120737 w 9144000"/>
+                <a:gd name="connsiteY2-36" fmla="*/ 1045027 h 1175655"/>
+                <a:gd name="connsiteX3-37" fmla="*/ 7172696 w 9144000"/>
+                <a:gd name="connsiteY3-38" fmla="*/ 605640 h 1175655"/>
+                <a:gd name="connsiteX4-39" fmla="*/ 9144000 w 9144000"/>
+                <a:gd name="connsiteY4-40" fmla="*/ 0 h 1175655"/>
               </a:gdLst>
               <a:ahLst/>
               <a:cxnLst>
                 <a:cxn ang="0">
-                  <a:pos x="connsiteX0" y="connsiteY0"/>
-                </a:cxn>
-                <a:cxn ang="0">
-                  <a:pos x="connsiteX1" y="connsiteY1"/>
-                </a:cxn>
-                <a:cxn ang="0">
-                  <a:pos x="connsiteX2" y="connsiteY2"/>
-                </a:cxn>
-                <a:cxn ang="0">
-                  <a:pos x="connsiteX3" y="connsiteY3"/>
-                </a:cxn>
-                <a:cxn ang="0">
-                  <a:pos x="connsiteX4" y="connsiteY4"/>
+                  <a:pos x="connsiteX0-1" y="connsiteY0-2"/>
+                </a:cxn>
+                <a:cxn ang="0">
+                  <a:pos x="connsiteX1-3" y="connsiteY1-4"/>
+                </a:cxn>
+                <a:cxn ang="0">
+                  <a:pos x="connsiteX2-5" y="connsiteY2-6"/>
+                </a:cxn>
+                <a:cxn ang="0">
+                  <a:pos x="connsiteX3-7" y="connsiteY3-8"/>
+                </a:cxn>
+                <a:cxn ang="0">
+                  <a:pos x="connsiteX4-9" y="connsiteY4-10"/>
                 </a:cxn>
               </a:cxnLst>
               <a:rect l="l" t="t" r="r" b="b"/>
@@ -9187,57 +9186,57 @@
                 <a:gd name="connsiteY5" fmla="*/ 1388236 h 1388236"/>
                 <a:gd name="connsiteX6" fmla="*/ 0 w 1601400"/>
                 <a:gd name="connsiteY6" fmla="*/ 694118 h 1388236"/>
-                <a:gd name="connsiteX0" fmla="*/ 0 w 1261499"/>
-                <a:gd name="connsiteY0" fmla="*/ 105098 h 1388236"/>
-                <a:gd name="connsiteX1" fmla="*/ 56357 w 1261499"/>
-                <a:gd name="connsiteY1" fmla="*/ 0 h 1388236"/>
-                <a:gd name="connsiteX2" fmla="*/ 865241 w 1261499"/>
-                <a:gd name="connsiteY2" fmla="*/ 0 h 1388236"/>
-                <a:gd name="connsiteX3" fmla="*/ 1261499 w 1261499"/>
-                <a:gd name="connsiteY3" fmla="*/ 694118 h 1388236"/>
-                <a:gd name="connsiteX4" fmla="*/ 865241 w 1261499"/>
-                <a:gd name="connsiteY4" fmla="*/ 1388236 h 1388236"/>
-                <a:gd name="connsiteX5" fmla="*/ 56357 w 1261499"/>
-                <a:gd name="connsiteY5" fmla="*/ 1388236 h 1388236"/>
-                <a:gd name="connsiteX6" fmla="*/ 0 w 1261499"/>
-                <a:gd name="connsiteY6" fmla="*/ 105098 h 1388236"/>
-                <a:gd name="connsiteX0" fmla="*/ 0 w 1261499"/>
-                <a:gd name="connsiteY0" fmla="*/ 105098 h 1388236"/>
-                <a:gd name="connsiteX1" fmla="*/ 56357 w 1261499"/>
-                <a:gd name="connsiteY1" fmla="*/ 0 h 1388236"/>
-                <a:gd name="connsiteX2" fmla="*/ 865241 w 1261499"/>
-                <a:gd name="connsiteY2" fmla="*/ 0 h 1388236"/>
-                <a:gd name="connsiteX3" fmla="*/ 1261499 w 1261499"/>
-                <a:gd name="connsiteY3" fmla="*/ 694118 h 1388236"/>
-                <a:gd name="connsiteX4" fmla="*/ 865241 w 1261499"/>
-                <a:gd name="connsiteY4" fmla="*/ 1388236 h 1388236"/>
-                <a:gd name="connsiteX5" fmla="*/ 744578 w 1261499"/>
-                <a:gd name="connsiteY5" fmla="*/ 1387893 h 1388236"/>
-                <a:gd name="connsiteX6" fmla="*/ 0 w 1261499"/>
-                <a:gd name="connsiteY6" fmla="*/ 105098 h 1388236"/>
+                <a:gd name="connsiteX0-1" fmla="*/ 0 w 1261499"/>
+                <a:gd name="connsiteY0-2" fmla="*/ 105098 h 1388236"/>
+                <a:gd name="connsiteX1-3" fmla="*/ 56357 w 1261499"/>
+                <a:gd name="connsiteY1-4" fmla="*/ 0 h 1388236"/>
+                <a:gd name="connsiteX2-5" fmla="*/ 865241 w 1261499"/>
+                <a:gd name="connsiteY2-6" fmla="*/ 0 h 1388236"/>
+                <a:gd name="connsiteX3-7" fmla="*/ 1261499 w 1261499"/>
+                <a:gd name="connsiteY3-8" fmla="*/ 694118 h 1388236"/>
+                <a:gd name="connsiteX4-9" fmla="*/ 865241 w 1261499"/>
+                <a:gd name="connsiteY4-10" fmla="*/ 1388236 h 1388236"/>
+                <a:gd name="connsiteX5-11" fmla="*/ 56357 w 1261499"/>
+                <a:gd name="connsiteY5-12" fmla="*/ 1388236 h 1388236"/>
+                <a:gd name="connsiteX6-13" fmla="*/ 0 w 1261499"/>
+                <a:gd name="connsiteY6-14" fmla="*/ 105098 h 1388236"/>
+                <a:gd name="connsiteX0-15" fmla="*/ 0 w 1261499"/>
+                <a:gd name="connsiteY0-16" fmla="*/ 105098 h 1388236"/>
+                <a:gd name="connsiteX1-17" fmla="*/ 56357 w 1261499"/>
+                <a:gd name="connsiteY1-18" fmla="*/ 0 h 1388236"/>
+                <a:gd name="connsiteX2-19" fmla="*/ 865241 w 1261499"/>
+                <a:gd name="connsiteY2-20" fmla="*/ 0 h 1388236"/>
+                <a:gd name="connsiteX3-21" fmla="*/ 1261499 w 1261499"/>
+                <a:gd name="connsiteY3-22" fmla="*/ 694118 h 1388236"/>
+                <a:gd name="connsiteX4-23" fmla="*/ 865241 w 1261499"/>
+                <a:gd name="connsiteY4-24" fmla="*/ 1388236 h 1388236"/>
+                <a:gd name="connsiteX5-25" fmla="*/ 744578 w 1261499"/>
+                <a:gd name="connsiteY5-26" fmla="*/ 1387893 h 1388236"/>
+                <a:gd name="connsiteX6-27" fmla="*/ 0 w 1261499"/>
+                <a:gd name="connsiteY6-28" fmla="*/ 105098 h 1388236"/>
               </a:gdLst>
               <a:ahLst/>
               <a:cxnLst>
                 <a:cxn ang="0">
-                  <a:pos x="connsiteX0" y="connsiteY0"/>
-                </a:cxn>
-                <a:cxn ang="0">
-                  <a:pos x="connsiteX1" y="connsiteY1"/>
-                </a:cxn>
-                <a:cxn ang="0">
-                  <a:pos x="connsiteX2" y="connsiteY2"/>
-                </a:cxn>
-                <a:cxn ang="0">
-                  <a:pos x="connsiteX3" y="connsiteY3"/>
-                </a:cxn>
-                <a:cxn ang="0">
-                  <a:pos x="connsiteX4" y="connsiteY4"/>
-                </a:cxn>
-                <a:cxn ang="0">
-                  <a:pos x="connsiteX5" y="connsiteY5"/>
-                </a:cxn>
-                <a:cxn ang="0">
-                  <a:pos x="connsiteX6" y="connsiteY6"/>
+                  <a:pos x="connsiteX0-1" y="connsiteY0-2"/>
+                </a:cxn>
+                <a:cxn ang="0">
+                  <a:pos x="connsiteX1-3" y="connsiteY1-4"/>
+                </a:cxn>
+                <a:cxn ang="0">
+                  <a:pos x="connsiteX2-5" y="connsiteY2-6"/>
+                </a:cxn>
+                <a:cxn ang="0">
+                  <a:pos x="connsiteX3-7" y="connsiteY3-8"/>
+                </a:cxn>
+                <a:cxn ang="0">
+                  <a:pos x="connsiteX4-9" y="connsiteY4-10"/>
+                </a:cxn>
+                <a:cxn ang="0">
+                  <a:pos x="connsiteX5-11" y="connsiteY5-12"/>
+                </a:cxn>
+                <a:cxn ang="0">
+                  <a:pos x="connsiteX6-13" y="connsiteY6-14"/>
                 </a:cxn>
               </a:cxnLst>
               <a:rect l="l" t="t" r="r" b="b"/>
@@ -9829,57 +9828,57 @@
                 <a:gd name="connsiteY5" fmla="*/ 1388236 h 1388236"/>
                 <a:gd name="connsiteX6" fmla="*/ 0 w 1601400"/>
                 <a:gd name="connsiteY6" fmla="*/ 694118 h 1388236"/>
-                <a:gd name="connsiteX0" fmla="*/ 0 w 1601400"/>
-                <a:gd name="connsiteY0" fmla="*/ 694118 h 1388236"/>
-                <a:gd name="connsiteX1" fmla="*/ 396258 w 1601400"/>
-                <a:gd name="connsiteY1" fmla="*/ 0 h 1388236"/>
-                <a:gd name="connsiteX2" fmla="*/ 474029 w 1601400"/>
-                <a:gd name="connsiteY2" fmla="*/ 4016 h 1388236"/>
-                <a:gd name="connsiteX3" fmla="*/ 1601400 w 1601400"/>
-                <a:gd name="connsiteY3" fmla="*/ 694118 h 1388236"/>
-                <a:gd name="connsiteX4" fmla="*/ 1205142 w 1601400"/>
-                <a:gd name="connsiteY4" fmla="*/ 1388236 h 1388236"/>
-                <a:gd name="connsiteX5" fmla="*/ 396258 w 1601400"/>
-                <a:gd name="connsiteY5" fmla="*/ 1388236 h 1388236"/>
-                <a:gd name="connsiteX6" fmla="*/ 0 w 1601400"/>
-                <a:gd name="connsiteY6" fmla="*/ 694118 h 1388236"/>
-                <a:gd name="connsiteX0" fmla="*/ 0 w 1243407"/>
-                <a:gd name="connsiteY0" fmla="*/ 694118 h 1388236"/>
-                <a:gd name="connsiteX1" fmla="*/ 396258 w 1243407"/>
-                <a:gd name="connsiteY1" fmla="*/ 0 h 1388236"/>
-                <a:gd name="connsiteX2" fmla="*/ 474029 w 1243407"/>
-                <a:gd name="connsiteY2" fmla="*/ 4016 h 1388236"/>
-                <a:gd name="connsiteX3" fmla="*/ 1243407 w 1243407"/>
-                <a:gd name="connsiteY3" fmla="*/ 1325983 h 1388236"/>
-                <a:gd name="connsiteX4" fmla="*/ 1205142 w 1243407"/>
-                <a:gd name="connsiteY4" fmla="*/ 1388236 h 1388236"/>
-                <a:gd name="connsiteX5" fmla="*/ 396258 w 1243407"/>
-                <a:gd name="connsiteY5" fmla="*/ 1388236 h 1388236"/>
-                <a:gd name="connsiteX6" fmla="*/ 0 w 1243407"/>
-                <a:gd name="connsiteY6" fmla="*/ 694118 h 1388236"/>
+                <a:gd name="connsiteX0-1" fmla="*/ 0 w 1601400"/>
+                <a:gd name="connsiteY0-2" fmla="*/ 694118 h 1388236"/>
+                <a:gd name="connsiteX1-3" fmla="*/ 396258 w 1601400"/>
+                <a:gd name="connsiteY1-4" fmla="*/ 0 h 1388236"/>
+                <a:gd name="connsiteX2-5" fmla="*/ 474029 w 1601400"/>
+                <a:gd name="connsiteY2-6" fmla="*/ 4016 h 1388236"/>
+                <a:gd name="connsiteX3-7" fmla="*/ 1601400 w 1601400"/>
+                <a:gd name="connsiteY3-8" fmla="*/ 694118 h 1388236"/>
+                <a:gd name="connsiteX4-9" fmla="*/ 1205142 w 1601400"/>
+                <a:gd name="connsiteY4-10" fmla="*/ 1388236 h 1388236"/>
+                <a:gd name="connsiteX5-11" fmla="*/ 396258 w 1601400"/>
+                <a:gd name="connsiteY5-12" fmla="*/ 1388236 h 1388236"/>
+                <a:gd name="connsiteX6-13" fmla="*/ 0 w 1601400"/>
+                <a:gd name="connsiteY6-14" fmla="*/ 694118 h 1388236"/>
+                <a:gd name="connsiteX0-15" fmla="*/ 0 w 1243407"/>
+                <a:gd name="connsiteY0-16" fmla="*/ 694118 h 1388236"/>
+                <a:gd name="connsiteX1-17" fmla="*/ 396258 w 1243407"/>
+                <a:gd name="connsiteY1-18" fmla="*/ 0 h 1388236"/>
+                <a:gd name="connsiteX2-19" fmla="*/ 474029 w 1243407"/>
+                <a:gd name="connsiteY2-20" fmla="*/ 4016 h 1388236"/>
+                <a:gd name="connsiteX3-21" fmla="*/ 1243407 w 1243407"/>
+                <a:gd name="connsiteY3-22" fmla="*/ 1325983 h 1388236"/>
+                <a:gd name="connsiteX4-23" fmla="*/ 1205142 w 1243407"/>
+                <a:gd name="connsiteY4-24" fmla="*/ 1388236 h 1388236"/>
+                <a:gd name="connsiteX5-25" fmla="*/ 396258 w 1243407"/>
+                <a:gd name="connsiteY5-26" fmla="*/ 1388236 h 1388236"/>
+                <a:gd name="connsiteX6-27" fmla="*/ 0 w 1243407"/>
+                <a:gd name="connsiteY6-28" fmla="*/ 694118 h 1388236"/>
               </a:gdLst>
               <a:ahLst/>
               <a:cxnLst>
                 <a:cxn ang="0">
-                  <a:pos x="connsiteX0" y="connsiteY0"/>
-                </a:cxn>
-                <a:cxn ang="0">
-                  <a:pos x="connsiteX1" y="connsiteY1"/>
-                </a:cxn>
-                <a:cxn ang="0">
-                  <a:pos x="connsiteX2" y="connsiteY2"/>
-                </a:cxn>
-                <a:cxn ang="0">
-                  <a:pos x="connsiteX3" y="connsiteY3"/>
-                </a:cxn>
-                <a:cxn ang="0">
-                  <a:pos x="connsiteX4" y="connsiteY4"/>
-                </a:cxn>
-                <a:cxn ang="0">
-                  <a:pos x="connsiteX5" y="connsiteY5"/>
-                </a:cxn>
-                <a:cxn ang="0">
-                  <a:pos x="connsiteX6" y="connsiteY6"/>
+                  <a:pos x="connsiteX0-1" y="connsiteY0-2"/>
+                </a:cxn>
+                <a:cxn ang="0">
+                  <a:pos x="connsiteX1-3" y="connsiteY1-4"/>
+                </a:cxn>
+                <a:cxn ang="0">
+                  <a:pos x="connsiteX2-5" y="connsiteY2-6"/>
+                </a:cxn>
+                <a:cxn ang="0">
+                  <a:pos x="connsiteX3-7" y="connsiteY3-8"/>
+                </a:cxn>
+                <a:cxn ang="0">
+                  <a:pos x="connsiteX4-9" y="connsiteY4-10"/>
+                </a:cxn>
+                <a:cxn ang="0">
+                  <a:pos x="connsiteX5-11" y="connsiteY5-12"/>
+                </a:cxn>
+                <a:cxn ang="0">
+                  <a:pos x="connsiteX6-13" y="connsiteY6-14"/>
                 </a:cxn>
               </a:cxnLst>
               <a:rect l="l" t="t" r="r" b="b"/>
@@ -9976,57 +9975,57 @@
                 <a:gd name="connsiteY5" fmla="*/ 1388236 h 1388236"/>
                 <a:gd name="connsiteX6" fmla="*/ 0 w 1601400"/>
                 <a:gd name="connsiteY6" fmla="*/ 694118 h 1388236"/>
-                <a:gd name="connsiteX0" fmla="*/ 0 w 1601400"/>
-                <a:gd name="connsiteY0" fmla="*/ 694704 h 1388822"/>
-                <a:gd name="connsiteX1" fmla="*/ 396258 w 1601400"/>
-                <a:gd name="connsiteY1" fmla="*/ 586 h 1388822"/>
-                <a:gd name="connsiteX2" fmla="*/ 482002 w 1601400"/>
-                <a:gd name="connsiteY2" fmla="*/ 0 h 1388822"/>
-                <a:gd name="connsiteX3" fmla="*/ 1601400 w 1601400"/>
-                <a:gd name="connsiteY3" fmla="*/ 694704 h 1388822"/>
-                <a:gd name="connsiteX4" fmla="*/ 1205142 w 1601400"/>
-                <a:gd name="connsiteY4" fmla="*/ 1388822 h 1388822"/>
-                <a:gd name="connsiteX5" fmla="*/ 396258 w 1601400"/>
-                <a:gd name="connsiteY5" fmla="*/ 1388822 h 1388822"/>
-                <a:gd name="connsiteX6" fmla="*/ 0 w 1601400"/>
-                <a:gd name="connsiteY6" fmla="*/ 694704 h 1388822"/>
-                <a:gd name="connsiteX0" fmla="*/ 0 w 1241871"/>
-                <a:gd name="connsiteY0" fmla="*/ 694704 h 1388822"/>
-                <a:gd name="connsiteX1" fmla="*/ 396258 w 1241871"/>
-                <a:gd name="connsiteY1" fmla="*/ 586 h 1388822"/>
-                <a:gd name="connsiteX2" fmla="*/ 482002 w 1241871"/>
-                <a:gd name="connsiteY2" fmla="*/ 0 h 1388822"/>
-                <a:gd name="connsiteX3" fmla="*/ 1241871 w 1241871"/>
-                <a:gd name="connsiteY3" fmla="*/ 1323912 h 1388822"/>
-                <a:gd name="connsiteX4" fmla="*/ 1205142 w 1241871"/>
-                <a:gd name="connsiteY4" fmla="*/ 1388822 h 1388822"/>
-                <a:gd name="connsiteX5" fmla="*/ 396258 w 1241871"/>
-                <a:gd name="connsiteY5" fmla="*/ 1388822 h 1388822"/>
-                <a:gd name="connsiteX6" fmla="*/ 0 w 1241871"/>
-                <a:gd name="connsiteY6" fmla="*/ 694704 h 1388822"/>
+                <a:gd name="connsiteX0-1" fmla="*/ 0 w 1601400"/>
+                <a:gd name="connsiteY0-2" fmla="*/ 694704 h 1388822"/>
+                <a:gd name="connsiteX1-3" fmla="*/ 396258 w 1601400"/>
+                <a:gd name="connsiteY1-4" fmla="*/ 586 h 1388822"/>
+                <a:gd name="connsiteX2-5" fmla="*/ 482002 w 1601400"/>
+                <a:gd name="connsiteY2-6" fmla="*/ 0 h 1388822"/>
+                <a:gd name="connsiteX3-7" fmla="*/ 1601400 w 1601400"/>
+                <a:gd name="connsiteY3-8" fmla="*/ 694704 h 1388822"/>
+                <a:gd name="connsiteX4-9" fmla="*/ 1205142 w 1601400"/>
+                <a:gd name="connsiteY4-10" fmla="*/ 1388822 h 1388822"/>
+                <a:gd name="connsiteX5-11" fmla="*/ 396258 w 1601400"/>
+                <a:gd name="connsiteY5-12" fmla="*/ 1388822 h 1388822"/>
+                <a:gd name="connsiteX6-13" fmla="*/ 0 w 1601400"/>
+                <a:gd name="connsiteY6-14" fmla="*/ 694704 h 1388822"/>
+                <a:gd name="connsiteX0-15" fmla="*/ 0 w 1241871"/>
+                <a:gd name="connsiteY0-16" fmla="*/ 694704 h 1388822"/>
+                <a:gd name="connsiteX1-17" fmla="*/ 396258 w 1241871"/>
+                <a:gd name="connsiteY1-18" fmla="*/ 586 h 1388822"/>
+                <a:gd name="connsiteX2-19" fmla="*/ 482002 w 1241871"/>
+                <a:gd name="connsiteY2-20" fmla="*/ 0 h 1388822"/>
+                <a:gd name="connsiteX3-21" fmla="*/ 1241871 w 1241871"/>
+                <a:gd name="connsiteY3-22" fmla="*/ 1323912 h 1388822"/>
+                <a:gd name="connsiteX4-23" fmla="*/ 1205142 w 1241871"/>
+                <a:gd name="connsiteY4-24" fmla="*/ 1388822 h 1388822"/>
+                <a:gd name="connsiteX5-25" fmla="*/ 396258 w 1241871"/>
+                <a:gd name="connsiteY5-26" fmla="*/ 1388822 h 1388822"/>
+                <a:gd name="connsiteX6-27" fmla="*/ 0 w 1241871"/>
+                <a:gd name="connsiteY6-28" fmla="*/ 694704 h 1388822"/>
               </a:gdLst>
               <a:ahLst/>
               <a:cxnLst>
                 <a:cxn ang="0">
-                  <a:pos x="connsiteX0" y="connsiteY0"/>
-                </a:cxn>
-                <a:cxn ang="0">
-                  <a:pos x="connsiteX1" y="connsiteY1"/>
-                </a:cxn>
-                <a:cxn ang="0">
-                  <a:pos x="connsiteX2" y="connsiteY2"/>
-                </a:cxn>
-                <a:cxn ang="0">
-                  <a:pos x="connsiteX3" y="connsiteY3"/>
-                </a:cxn>
-                <a:cxn ang="0">
-                  <a:pos x="connsiteX4" y="connsiteY4"/>
-                </a:cxn>
-                <a:cxn ang="0">
-                  <a:pos x="connsiteX5" y="connsiteY5"/>
-                </a:cxn>
-                <a:cxn ang="0">
-                  <a:pos x="connsiteX6" y="connsiteY6"/>
+                  <a:pos x="connsiteX0-1" y="connsiteY0-2"/>
+                </a:cxn>
+                <a:cxn ang="0">
+                  <a:pos x="connsiteX1-3" y="connsiteY1-4"/>
+                </a:cxn>
+                <a:cxn ang="0">
+                  <a:pos x="connsiteX2-5" y="connsiteY2-6"/>
+                </a:cxn>
+                <a:cxn ang="0">
+                  <a:pos x="connsiteX3-7" y="connsiteY3-8"/>
+                </a:cxn>
+                <a:cxn ang="0">
+                  <a:pos x="connsiteX4-9" y="connsiteY4-10"/>
+                </a:cxn>
+                <a:cxn ang="0">
+                  <a:pos x="connsiteX5-11" y="connsiteY5-12"/>
+                </a:cxn>
+                <a:cxn ang="0">
+                  <a:pos x="connsiteX6-13" y="connsiteY6-14"/>
                 </a:cxn>
               </a:cxnLst>
               <a:rect l="l" t="t" r="r" b="b"/>
@@ -10479,7 +10478,7 @@
           <a:p>
             <a:fld id="{B4C71EC6-210F-42DE-9C53-41977AD35B3D}" type="datetimeFigureOut">
               <a:rPr lang="ru-RU" smtClean="0"/>
-              <a:t>17.01.2024</a:t>
+              <a:t>19.01.2024</a:t>
             </a:fld>
             <a:endParaRPr lang="ru-RU"/>
           </a:p>
@@ -11238,63 +11237,63 @@
                 <a:gd name="connsiteY3" fmla="*/ 605641 h 1175656"/>
                 <a:gd name="connsiteX4" fmla="*/ 9144000 w 9144000"/>
                 <a:gd name="connsiteY4" fmla="*/ 0 h 1175656"/>
-                <a:gd name="connsiteX0" fmla="*/ 0 w 9144000"/>
-                <a:gd name="connsiteY0" fmla="*/ 1270659 h 1330035"/>
-                <a:gd name="connsiteX1" fmla="*/ 1674420 w 9144000"/>
-                <a:gd name="connsiteY1" fmla="*/ 1318160 h 1330035"/>
-                <a:gd name="connsiteX2" fmla="*/ 4120737 w 9144000"/>
-                <a:gd name="connsiteY2" fmla="*/ 1199407 h 1330035"/>
-                <a:gd name="connsiteX3" fmla="*/ 7172696 w 9144000"/>
-                <a:gd name="connsiteY3" fmla="*/ 760020 h 1330035"/>
-                <a:gd name="connsiteX4" fmla="*/ 9144000 w 9144000"/>
-                <a:gd name="connsiteY4" fmla="*/ 0 h 1330035"/>
-                <a:gd name="connsiteX0" fmla="*/ 0 w 9144000"/>
-                <a:gd name="connsiteY0" fmla="*/ 1270659 h 1330035"/>
-                <a:gd name="connsiteX1" fmla="*/ 1674420 w 9144000"/>
-                <a:gd name="connsiteY1" fmla="*/ 1318160 h 1330035"/>
-                <a:gd name="connsiteX2" fmla="*/ 4120737 w 9144000"/>
-                <a:gd name="connsiteY2" fmla="*/ 1199407 h 1330035"/>
-                <a:gd name="connsiteX3" fmla="*/ 7172696 w 9144000"/>
-                <a:gd name="connsiteY3" fmla="*/ 760020 h 1330035"/>
-                <a:gd name="connsiteX4" fmla="*/ 9144000 w 9144000"/>
-                <a:gd name="connsiteY4" fmla="*/ 0 h 1330035"/>
-                <a:gd name="connsiteX0" fmla="*/ 0 w 9144000"/>
-                <a:gd name="connsiteY0" fmla="*/ 1270659 h 1330035"/>
-                <a:gd name="connsiteX1" fmla="*/ 1674420 w 9144000"/>
-                <a:gd name="connsiteY1" fmla="*/ 1318160 h 1330035"/>
-                <a:gd name="connsiteX2" fmla="*/ 4120737 w 9144000"/>
-                <a:gd name="connsiteY2" fmla="*/ 1199407 h 1330035"/>
-                <a:gd name="connsiteX3" fmla="*/ 7172696 w 9144000"/>
-                <a:gd name="connsiteY3" fmla="*/ 760020 h 1330035"/>
-                <a:gd name="connsiteX4" fmla="*/ 9144000 w 9144000"/>
-                <a:gd name="connsiteY4" fmla="*/ 0 h 1330035"/>
-                <a:gd name="connsiteX0" fmla="*/ 0 w 9144000"/>
-                <a:gd name="connsiteY0" fmla="*/ 1116279 h 1175655"/>
-                <a:gd name="connsiteX1" fmla="*/ 1674420 w 9144000"/>
-                <a:gd name="connsiteY1" fmla="*/ 1163780 h 1175655"/>
-                <a:gd name="connsiteX2" fmla="*/ 4120737 w 9144000"/>
-                <a:gd name="connsiteY2" fmla="*/ 1045027 h 1175655"/>
-                <a:gd name="connsiteX3" fmla="*/ 7172696 w 9144000"/>
-                <a:gd name="connsiteY3" fmla="*/ 605640 h 1175655"/>
-                <a:gd name="connsiteX4" fmla="*/ 9144000 w 9144000"/>
-                <a:gd name="connsiteY4" fmla="*/ 0 h 1175655"/>
+                <a:gd name="connsiteX0-1" fmla="*/ 0 w 9144000"/>
+                <a:gd name="connsiteY0-2" fmla="*/ 1270659 h 1330035"/>
+                <a:gd name="connsiteX1-3" fmla="*/ 1674420 w 9144000"/>
+                <a:gd name="connsiteY1-4" fmla="*/ 1318160 h 1330035"/>
+                <a:gd name="connsiteX2-5" fmla="*/ 4120737 w 9144000"/>
+                <a:gd name="connsiteY2-6" fmla="*/ 1199407 h 1330035"/>
+                <a:gd name="connsiteX3-7" fmla="*/ 7172696 w 9144000"/>
+                <a:gd name="connsiteY3-8" fmla="*/ 760020 h 1330035"/>
+                <a:gd name="connsiteX4-9" fmla="*/ 9144000 w 9144000"/>
+                <a:gd name="connsiteY4-10" fmla="*/ 0 h 1330035"/>
+                <a:gd name="connsiteX0-11" fmla="*/ 0 w 9144000"/>
+                <a:gd name="connsiteY0-12" fmla="*/ 1270659 h 1330035"/>
+                <a:gd name="connsiteX1-13" fmla="*/ 1674420 w 9144000"/>
+                <a:gd name="connsiteY1-14" fmla="*/ 1318160 h 1330035"/>
+                <a:gd name="connsiteX2-15" fmla="*/ 4120737 w 9144000"/>
+                <a:gd name="connsiteY2-16" fmla="*/ 1199407 h 1330035"/>
+                <a:gd name="connsiteX3-17" fmla="*/ 7172696 w 9144000"/>
+                <a:gd name="connsiteY3-18" fmla="*/ 760020 h 1330035"/>
+                <a:gd name="connsiteX4-19" fmla="*/ 9144000 w 9144000"/>
+                <a:gd name="connsiteY4-20" fmla="*/ 0 h 1330035"/>
+                <a:gd name="connsiteX0-21" fmla="*/ 0 w 9144000"/>
+                <a:gd name="connsiteY0-22" fmla="*/ 1270659 h 1330035"/>
+                <a:gd name="connsiteX1-23" fmla="*/ 1674420 w 9144000"/>
+                <a:gd name="connsiteY1-24" fmla="*/ 1318160 h 1330035"/>
+                <a:gd name="connsiteX2-25" fmla="*/ 4120737 w 9144000"/>
+                <a:gd name="connsiteY2-26" fmla="*/ 1199407 h 1330035"/>
+                <a:gd name="connsiteX3-27" fmla="*/ 7172696 w 9144000"/>
+                <a:gd name="connsiteY3-28" fmla="*/ 760020 h 1330035"/>
+                <a:gd name="connsiteX4-29" fmla="*/ 9144000 w 9144000"/>
+                <a:gd name="connsiteY4-30" fmla="*/ 0 h 1330035"/>
+                <a:gd name="connsiteX0-31" fmla="*/ 0 w 9144000"/>
+                <a:gd name="connsiteY0-32" fmla="*/ 1116279 h 1175655"/>
+                <a:gd name="connsiteX1-33" fmla="*/ 1674420 w 9144000"/>
+                <a:gd name="connsiteY1-34" fmla="*/ 1163780 h 1175655"/>
+                <a:gd name="connsiteX2-35" fmla="*/ 4120737 w 9144000"/>
+                <a:gd name="connsiteY2-36" fmla="*/ 1045027 h 1175655"/>
+                <a:gd name="connsiteX3-37" fmla="*/ 7172696 w 9144000"/>
+                <a:gd name="connsiteY3-38" fmla="*/ 605640 h 1175655"/>
+                <a:gd name="connsiteX4-39" fmla="*/ 9144000 w 9144000"/>
+                <a:gd name="connsiteY4-40" fmla="*/ 0 h 1175655"/>
               </a:gdLst>
               <a:ahLst/>
               <a:cxnLst>
                 <a:cxn ang="0">
-                  <a:pos x="connsiteX0" y="connsiteY0"/>
-                </a:cxn>
-                <a:cxn ang="0">
-                  <a:pos x="connsiteX1" y="connsiteY1"/>
-                </a:cxn>
-                <a:cxn ang="0">
-                  <a:pos x="connsiteX2" y="connsiteY2"/>
-                </a:cxn>
-                <a:cxn ang="0">
-                  <a:pos x="connsiteX3" y="connsiteY3"/>
-                </a:cxn>
-                <a:cxn ang="0">
-                  <a:pos x="connsiteX4" y="connsiteY4"/>
+                  <a:pos x="connsiteX0-1" y="connsiteY0-2"/>
+                </a:cxn>
+                <a:cxn ang="0">
+                  <a:pos x="connsiteX1-3" y="connsiteY1-4"/>
+                </a:cxn>
+                <a:cxn ang="0">
+                  <a:pos x="connsiteX2-5" y="connsiteY2-6"/>
+                </a:cxn>
+                <a:cxn ang="0">
+                  <a:pos x="connsiteX3-7" y="connsiteY3-8"/>
+                </a:cxn>
+                <a:cxn ang="0">
+                  <a:pos x="connsiteX4-9" y="connsiteY4-10"/>
                 </a:cxn>
               </a:cxnLst>
               <a:rect l="l" t="t" r="r" b="b"/>
@@ -12120,57 +12119,57 @@
                 <a:gd name="connsiteY5" fmla="*/ 1388236 h 1388236"/>
                 <a:gd name="connsiteX6" fmla="*/ 0 w 1601400"/>
                 <a:gd name="connsiteY6" fmla="*/ 694118 h 1388236"/>
-                <a:gd name="connsiteX0" fmla="*/ 0 w 1261499"/>
-                <a:gd name="connsiteY0" fmla="*/ 105098 h 1388236"/>
-                <a:gd name="connsiteX1" fmla="*/ 56357 w 1261499"/>
-                <a:gd name="connsiteY1" fmla="*/ 0 h 1388236"/>
-                <a:gd name="connsiteX2" fmla="*/ 865241 w 1261499"/>
-                <a:gd name="connsiteY2" fmla="*/ 0 h 1388236"/>
-                <a:gd name="connsiteX3" fmla="*/ 1261499 w 1261499"/>
-                <a:gd name="connsiteY3" fmla="*/ 694118 h 1388236"/>
-                <a:gd name="connsiteX4" fmla="*/ 865241 w 1261499"/>
-                <a:gd name="connsiteY4" fmla="*/ 1388236 h 1388236"/>
-                <a:gd name="connsiteX5" fmla="*/ 56357 w 1261499"/>
-                <a:gd name="connsiteY5" fmla="*/ 1388236 h 1388236"/>
-                <a:gd name="connsiteX6" fmla="*/ 0 w 1261499"/>
-                <a:gd name="connsiteY6" fmla="*/ 105098 h 1388236"/>
-                <a:gd name="connsiteX0" fmla="*/ 0 w 1261499"/>
-                <a:gd name="connsiteY0" fmla="*/ 105098 h 1388236"/>
-                <a:gd name="connsiteX1" fmla="*/ 56357 w 1261499"/>
-                <a:gd name="connsiteY1" fmla="*/ 0 h 1388236"/>
-                <a:gd name="connsiteX2" fmla="*/ 865241 w 1261499"/>
-                <a:gd name="connsiteY2" fmla="*/ 0 h 1388236"/>
-                <a:gd name="connsiteX3" fmla="*/ 1261499 w 1261499"/>
-                <a:gd name="connsiteY3" fmla="*/ 694118 h 1388236"/>
-                <a:gd name="connsiteX4" fmla="*/ 865241 w 1261499"/>
-                <a:gd name="connsiteY4" fmla="*/ 1388236 h 1388236"/>
-                <a:gd name="connsiteX5" fmla="*/ 744578 w 1261499"/>
-                <a:gd name="connsiteY5" fmla="*/ 1387893 h 1388236"/>
-                <a:gd name="connsiteX6" fmla="*/ 0 w 1261499"/>
-                <a:gd name="connsiteY6" fmla="*/ 105098 h 1388236"/>
+                <a:gd name="connsiteX0-1" fmla="*/ 0 w 1261499"/>
+                <a:gd name="connsiteY0-2" fmla="*/ 105098 h 1388236"/>
+                <a:gd name="connsiteX1-3" fmla="*/ 56357 w 1261499"/>
+                <a:gd name="connsiteY1-4" fmla="*/ 0 h 1388236"/>
+                <a:gd name="connsiteX2-5" fmla="*/ 865241 w 1261499"/>
+                <a:gd name="connsiteY2-6" fmla="*/ 0 h 1388236"/>
+                <a:gd name="connsiteX3-7" fmla="*/ 1261499 w 1261499"/>
+                <a:gd name="connsiteY3-8" fmla="*/ 694118 h 1388236"/>
+                <a:gd name="connsiteX4-9" fmla="*/ 865241 w 1261499"/>
+                <a:gd name="connsiteY4-10" fmla="*/ 1388236 h 1388236"/>
+                <a:gd name="connsiteX5-11" fmla="*/ 56357 w 1261499"/>
+                <a:gd name="connsiteY5-12" fmla="*/ 1388236 h 1388236"/>
+                <a:gd name="connsiteX6-13" fmla="*/ 0 w 1261499"/>
+                <a:gd name="connsiteY6-14" fmla="*/ 105098 h 1388236"/>
+                <a:gd name="connsiteX0-15" fmla="*/ 0 w 1261499"/>
+                <a:gd name="connsiteY0-16" fmla="*/ 105098 h 1388236"/>
+                <a:gd name="connsiteX1-17" fmla="*/ 56357 w 1261499"/>
+                <a:gd name="connsiteY1-18" fmla="*/ 0 h 1388236"/>
+                <a:gd name="connsiteX2-19" fmla="*/ 865241 w 1261499"/>
+                <a:gd name="connsiteY2-20" fmla="*/ 0 h 1388236"/>
+                <a:gd name="connsiteX3-21" fmla="*/ 1261499 w 1261499"/>
+                <a:gd name="connsiteY3-22" fmla="*/ 694118 h 1388236"/>
+                <a:gd name="connsiteX4-23" fmla="*/ 865241 w 1261499"/>
+                <a:gd name="connsiteY4-24" fmla="*/ 1388236 h 1388236"/>
+                <a:gd name="connsiteX5-25" fmla="*/ 744578 w 1261499"/>
+                <a:gd name="connsiteY5-26" fmla="*/ 1387893 h 1388236"/>
+                <a:gd name="connsiteX6-27" fmla="*/ 0 w 1261499"/>
+                <a:gd name="connsiteY6-28" fmla="*/ 105098 h 1388236"/>
               </a:gdLst>
               <a:ahLst/>
               <a:cxnLst>
                 <a:cxn ang="0">
-                  <a:pos x="connsiteX0" y="connsiteY0"/>
-                </a:cxn>
-                <a:cxn ang="0">
-                  <a:pos x="connsiteX1" y="connsiteY1"/>
-                </a:cxn>
-                <a:cxn ang="0">
-                  <a:pos x="connsiteX2" y="connsiteY2"/>
-                </a:cxn>
-                <a:cxn ang="0">
-                  <a:pos x="connsiteX3" y="connsiteY3"/>
-                </a:cxn>
-                <a:cxn ang="0">
-                  <a:pos x="connsiteX4" y="connsiteY4"/>
-                </a:cxn>
-                <a:cxn ang="0">
-                  <a:pos x="connsiteX5" y="connsiteY5"/>
-                </a:cxn>
-                <a:cxn ang="0">
-                  <a:pos x="connsiteX6" y="connsiteY6"/>
+                  <a:pos x="connsiteX0-1" y="connsiteY0-2"/>
+                </a:cxn>
+                <a:cxn ang="0">
+                  <a:pos x="connsiteX1-3" y="connsiteY1-4"/>
+                </a:cxn>
+                <a:cxn ang="0">
+                  <a:pos x="connsiteX2-5" y="connsiteY2-6"/>
+                </a:cxn>
+                <a:cxn ang="0">
+                  <a:pos x="connsiteX3-7" y="connsiteY3-8"/>
+                </a:cxn>
+                <a:cxn ang="0">
+                  <a:pos x="connsiteX4-9" y="connsiteY4-10"/>
+                </a:cxn>
+                <a:cxn ang="0">
+                  <a:pos x="connsiteX5-11" y="connsiteY5-12"/>
+                </a:cxn>
+                <a:cxn ang="0">
+                  <a:pos x="connsiteX6-13" y="connsiteY6-14"/>
                 </a:cxn>
               </a:cxnLst>
               <a:rect l="l" t="t" r="r" b="b"/>
@@ -12762,57 +12761,57 @@
                 <a:gd name="connsiteY5" fmla="*/ 1388236 h 1388236"/>
                 <a:gd name="connsiteX6" fmla="*/ 0 w 1601400"/>
                 <a:gd name="connsiteY6" fmla="*/ 694118 h 1388236"/>
-                <a:gd name="connsiteX0" fmla="*/ 0 w 1601400"/>
-                <a:gd name="connsiteY0" fmla="*/ 694118 h 1388236"/>
-                <a:gd name="connsiteX1" fmla="*/ 396258 w 1601400"/>
-                <a:gd name="connsiteY1" fmla="*/ 0 h 1388236"/>
-                <a:gd name="connsiteX2" fmla="*/ 474029 w 1601400"/>
-                <a:gd name="connsiteY2" fmla="*/ 4016 h 1388236"/>
-                <a:gd name="connsiteX3" fmla="*/ 1601400 w 1601400"/>
-                <a:gd name="connsiteY3" fmla="*/ 694118 h 1388236"/>
-                <a:gd name="connsiteX4" fmla="*/ 1205142 w 1601400"/>
-                <a:gd name="connsiteY4" fmla="*/ 1388236 h 1388236"/>
-                <a:gd name="connsiteX5" fmla="*/ 396258 w 1601400"/>
-                <a:gd name="connsiteY5" fmla="*/ 1388236 h 1388236"/>
-                <a:gd name="connsiteX6" fmla="*/ 0 w 1601400"/>
-                <a:gd name="connsiteY6" fmla="*/ 694118 h 1388236"/>
-                <a:gd name="connsiteX0" fmla="*/ 0 w 1243407"/>
-                <a:gd name="connsiteY0" fmla="*/ 694118 h 1388236"/>
-                <a:gd name="connsiteX1" fmla="*/ 396258 w 1243407"/>
-                <a:gd name="connsiteY1" fmla="*/ 0 h 1388236"/>
-                <a:gd name="connsiteX2" fmla="*/ 474029 w 1243407"/>
-                <a:gd name="connsiteY2" fmla="*/ 4016 h 1388236"/>
-                <a:gd name="connsiteX3" fmla="*/ 1243407 w 1243407"/>
-                <a:gd name="connsiteY3" fmla="*/ 1325983 h 1388236"/>
-                <a:gd name="connsiteX4" fmla="*/ 1205142 w 1243407"/>
-                <a:gd name="connsiteY4" fmla="*/ 1388236 h 1388236"/>
-                <a:gd name="connsiteX5" fmla="*/ 396258 w 1243407"/>
-                <a:gd name="connsiteY5" fmla="*/ 1388236 h 1388236"/>
-                <a:gd name="connsiteX6" fmla="*/ 0 w 1243407"/>
-                <a:gd name="connsiteY6" fmla="*/ 694118 h 1388236"/>
+                <a:gd name="connsiteX0-1" fmla="*/ 0 w 1601400"/>
+                <a:gd name="connsiteY0-2" fmla="*/ 694118 h 1388236"/>
+                <a:gd name="connsiteX1-3" fmla="*/ 396258 w 1601400"/>
+                <a:gd name="connsiteY1-4" fmla="*/ 0 h 1388236"/>
+                <a:gd name="connsiteX2-5" fmla="*/ 474029 w 1601400"/>
+                <a:gd name="connsiteY2-6" fmla="*/ 4016 h 1388236"/>
+                <a:gd name="connsiteX3-7" fmla="*/ 1601400 w 1601400"/>
+                <a:gd name="connsiteY3-8" fmla="*/ 694118 h 1388236"/>
+                <a:gd name="connsiteX4-9" fmla="*/ 1205142 w 1601400"/>
+                <a:gd name="connsiteY4-10" fmla="*/ 1388236 h 1388236"/>
+                <a:gd name="connsiteX5-11" fmla="*/ 396258 w 1601400"/>
+                <a:gd name="connsiteY5-12" fmla="*/ 1388236 h 1388236"/>
+                <a:gd name="connsiteX6-13" fmla="*/ 0 w 1601400"/>
+                <a:gd name="connsiteY6-14" fmla="*/ 694118 h 1388236"/>
+                <a:gd name="connsiteX0-15" fmla="*/ 0 w 1243407"/>
+                <a:gd name="connsiteY0-16" fmla="*/ 694118 h 1388236"/>
+                <a:gd name="connsiteX1-17" fmla="*/ 396258 w 1243407"/>
+                <a:gd name="connsiteY1-18" fmla="*/ 0 h 1388236"/>
+                <a:gd name="connsiteX2-19" fmla="*/ 474029 w 1243407"/>
+                <a:gd name="connsiteY2-20" fmla="*/ 4016 h 1388236"/>
+                <a:gd name="connsiteX3-21" fmla="*/ 1243407 w 1243407"/>
+                <a:gd name="connsiteY3-22" fmla="*/ 1325983 h 1388236"/>
+                <a:gd name="connsiteX4-23" fmla="*/ 1205142 w 1243407"/>
+                <a:gd name="connsiteY4-24" fmla="*/ 1388236 h 1388236"/>
+                <a:gd name="connsiteX5-25" fmla="*/ 396258 w 1243407"/>
+                <a:gd name="connsiteY5-26" fmla="*/ 1388236 h 1388236"/>
+                <a:gd name="connsiteX6-27" fmla="*/ 0 w 1243407"/>
+                <a:gd name="connsiteY6-28" fmla="*/ 694118 h 1388236"/>
               </a:gdLst>
               <a:ahLst/>
               <a:cxnLst>
                 <a:cxn ang="0">
-                  <a:pos x="connsiteX0" y="connsiteY0"/>
-                </a:cxn>
-                <a:cxn ang="0">
-                  <a:pos x="connsiteX1" y="connsiteY1"/>
-                </a:cxn>
-                <a:cxn ang="0">
-                  <a:pos x="connsiteX2" y="connsiteY2"/>
-                </a:cxn>
-                <a:cxn ang="0">
-                  <a:pos x="connsiteX3" y="connsiteY3"/>
-                </a:cxn>
-                <a:cxn ang="0">
-                  <a:pos x="connsiteX4" y="connsiteY4"/>
-                </a:cxn>
-                <a:cxn ang="0">
-                  <a:pos x="connsiteX5" y="connsiteY5"/>
-                </a:cxn>
-                <a:cxn ang="0">
-                  <a:pos x="connsiteX6" y="connsiteY6"/>
+                  <a:pos x="connsiteX0-1" y="connsiteY0-2"/>
+                </a:cxn>
+                <a:cxn ang="0">
+                  <a:pos x="connsiteX1-3" y="connsiteY1-4"/>
+                </a:cxn>
+                <a:cxn ang="0">
+                  <a:pos x="connsiteX2-5" y="connsiteY2-6"/>
+                </a:cxn>
+                <a:cxn ang="0">
+                  <a:pos x="connsiteX3-7" y="connsiteY3-8"/>
+                </a:cxn>
+                <a:cxn ang="0">
+                  <a:pos x="connsiteX4-9" y="connsiteY4-10"/>
+                </a:cxn>
+                <a:cxn ang="0">
+                  <a:pos x="connsiteX5-11" y="connsiteY5-12"/>
+                </a:cxn>
+                <a:cxn ang="0">
+                  <a:pos x="connsiteX6-13" y="connsiteY6-14"/>
                 </a:cxn>
               </a:cxnLst>
               <a:rect l="l" t="t" r="r" b="b"/>
@@ -12909,57 +12908,57 @@
                 <a:gd name="connsiteY5" fmla="*/ 1388236 h 1388236"/>
                 <a:gd name="connsiteX6" fmla="*/ 0 w 1601400"/>
                 <a:gd name="connsiteY6" fmla="*/ 694118 h 1388236"/>
-                <a:gd name="connsiteX0" fmla="*/ 0 w 1601400"/>
-                <a:gd name="connsiteY0" fmla="*/ 694704 h 1388822"/>
-                <a:gd name="connsiteX1" fmla="*/ 396258 w 1601400"/>
-                <a:gd name="connsiteY1" fmla="*/ 586 h 1388822"/>
-                <a:gd name="connsiteX2" fmla="*/ 482002 w 1601400"/>
-                <a:gd name="connsiteY2" fmla="*/ 0 h 1388822"/>
-                <a:gd name="connsiteX3" fmla="*/ 1601400 w 1601400"/>
-                <a:gd name="connsiteY3" fmla="*/ 694704 h 1388822"/>
-                <a:gd name="connsiteX4" fmla="*/ 1205142 w 1601400"/>
-                <a:gd name="connsiteY4" fmla="*/ 1388822 h 1388822"/>
-                <a:gd name="connsiteX5" fmla="*/ 396258 w 1601400"/>
-                <a:gd name="connsiteY5" fmla="*/ 1388822 h 1388822"/>
-                <a:gd name="connsiteX6" fmla="*/ 0 w 1601400"/>
-                <a:gd name="connsiteY6" fmla="*/ 694704 h 1388822"/>
-                <a:gd name="connsiteX0" fmla="*/ 0 w 1241871"/>
-                <a:gd name="connsiteY0" fmla="*/ 694704 h 1388822"/>
-                <a:gd name="connsiteX1" fmla="*/ 396258 w 1241871"/>
-                <a:gd name="connsiteY1" fmla="*/ 586 h 1388822"/>
-                <a:gd name="connsiteX2" fmla="*/ 482002 w 1241871"/>
-                <a:gd name="connsiteY2" fmla="*/ 0 h 1388822"/>
-                <a:gd name="connsiteX3" fmla="*/ 1241871 w 1241871"/>
-                <a:gd name="connsiteY3" fmla="*/ 1323912 h 1388822"/>
-                <a:gd name="connsiteX4" fmla="*/ 1205142 w 1241871"/>
-                <a:gd name="connsiteY4" fmla="*/ 1388822 h 1388822"/>
-                <a:gd name="connsiteX5" fmla="*/ 396258 w 1241871"/>
-                <a:gd name="connsiteY5" fmla="*/ 1388822 h 1388822"/>
-                <a:gd name="connsiteX6" fmla="*/ 0 w 1241871"/>
-                <a:gd name="connsiteY6" fmla="*/ 694704 h 1388822"/>
+                <a:gd name="connsiteX0-1" fmla="*/ 0 w 1601400"/>
+                <a:gd name="connsiteY0-2" fmla="*/ 694704 h 1388822"/>
+                <a:gd name="connsiteX1-3" fmla="*/ 396258 w 1601400"/>
+                <a:gd name="connsiteY1-4" fmla="*/ 586 h 1388822"/>
+                <a:gd name="connsiteX2-5" fmla="*/ 482002 w 1601400"/>
+                <a:gd name="connsiteY2-6" fmla="*/ 0 h 1388822"/>
+                <a:gd name="connsiteX3-7" fmla="*/ 1601400 w 1601400"/>
+                <a:gd name="connsiteY3-8" fmla="*/ 694704 h 1388822"/>
+                <a:gd name="connsiteX4-9" fmla="*/ 1205142 w 1601400"/>
+                <a:gd name="connsiteY4-10" fmla="*/ 1388822 h 1388822"/>
+                <a:gd name="connsiteX5-11" fmla="*/ 396258 w 1601400"/>
+                <a:gd name="connsiteY5-12" fmla="*/ 1388822 h 1388822"/>
+                <a:gd name="connsiteX6-13" fmla="*/ 0 w 1601400"/>
+                <a:gd name="connsiteY6-14" fmla="*/ 694704 h 1388822"/>
+                <a:gd name="connsiteX0-15" fmla="*/ 0 w 1241871"/>
+                <a:gd name="connsiteY0-16" fmla="*/ 694704 h 1388822"/>
+                <a:gd name="connsiteX1-17" fmla="*/ 396258 w 1241871"/>
+                <a:gd name="connsiteY1-18" fmla="*/ 586 h 1388822"/>
+                <a:gd name="connsiteX2-19" fmla="*/ 482002 w 1241871"/>
+                <a:gd name="connsiteY2-20" fmla="*/ 0 h 1388822"/>
+                <a:gd name="connsiteX3-21" fmla="*/ 1241871 w 1241871"/>
+                <a:gd name="connsiteY3-22" fmla="*/ 1323912 h 1388822"/>
+                <a:gd name="connsiteX4-23" fmla="*/ 1205142 w 1241871"/>
+                <a:gd name="connsiteY4-24" fmla="*/ 1388822 h 1388822"/>
+                <a:gd name="connsiteX5-25" fmla="*/ 396258 w 1241871"/>
+                <a:gd name="connsiteY5-26" fmla="*/ 1388822 h 1388822"/>
+                <a:gd name="connsiteX6-27" fmla="*/ 0 w 1241871"/>
+                <a:gd name="connsiteY6-28" fmla="*/ 694704 h 1388822"/>
               </a:gdLst>
               <a:ahLst/>
               <a:cxnLst>
                 <a:cxn ang="0">
-                  <a:pos x="connsiteX0" y="connsiteY0"/>
-                </a:cxn>
-                <a:cxn ang="0">
-                  <a:pos x="connsiteX1" y="connsiteY1"/>
-                </a:cxn>
-                <a:cxn ang="0">
-                  <a:pos x="connsiteX2" y="connsiteY2"/>
-                </a:cxn>
-                <a:cxn ang="0">
-                  <a:pos x="connsiteX3" y="connsiteY3"/>
-                </a:cxn>
-                <a:cxn ang="0">
-                  <a:pos x="connsiteX4" y="connsiteY4"/>
-                </a:cxn>
-                <a:cxn ang="0">
-                  <a:pos x="connsiteX5" y="connsiteY5"/>
-                </a:cxn>
-                <a:cxn ang="0">
-                  <a:pos x="connsiteX6" y="connsiteY6"/>
+                  <a:pos x="connsiteX0-1" y="connsiteY0-2"/>
+                </a:cxn>
+                <a:cxn ang="0">
+                  <a:pos x="connsiteX1-3" y="connsiteY1-4"/>
+                </a:cxn>
+                <a:cxn ang="0">
+                  <a:pos x="connsiteX2-5" y="connsiteY2-6"/>
+                </a:cxn>
+                <a:cxn ang="0">
+                  <a:pos x="connsiteX3-7" y="connsiteY3-8"/>
+                </a:cxn>
+                <a:cxn ang="0">
+                  <a:pos x="connsiteX4-9" y="connsiteY4-10"/>
+                </a:cxn>
+                <a:cxn ang="0">
+                  <a:pos x="connsiteX5-11" y="connsiteY5-12"/>
+                </a:cxn>
+                <a:cxn ang="0">
+                  <a:pos x="connsiteX6-13" y="connsiteY6-14"/>
                 </a:cxn>
               </a:cxnLst>
               <a:rect l="l" t="t" r="r" b="b"/>
@@ -13301,7 +13300,7 @@
           <a:p>
             <a:fld id="{B4C71EC6-210F-42DE-9C53-41977AD35B3D}" type="datetimeFigureOut">
               <a:rPr lang="ru-RU" smtClean="0"/>
-              <a:t>17.01.2024</a:t>
+              <a:t>19.01.2024</a:t>
             </a:fld>
             <a:endParaRPr lang="ru-RU"/>
           </a:p>
@@ -13385,17 +13384,17 @@
   </p:cSld>
   <p:clrMap bg1="lt1" tx1="dk1" bg2="lt2" tx2="dk2" accent1="accent1" accent2="accent2" accent3="accent3" accent4="accent4" accent5="accent5" accent6="accent6" hlink="hlink" folHlink="folHlink"/>
   <p:sldLayoutIdLst>
-    <p:sldLayoutId id="2147483661" r:id="rId1"/>
-    <p:sldLayoutId id="2147483662" r:id="rId2"/>
-    <p:sldLayoutId id="2147483663" r:id="rId3"/>
-    <p:sldLayoutId id="2147483664" r:id="rId4"/>
-    <p:sldLayoutId id="2147483665" r:id="rId5"/>
-    <p:sldLayoutId id="2147483666" r:id="rId6"/>
-    <p:sldLayoutId id="2147483667" r:id="rId7"/>
-    <p:sldLayoutId id="2147483668" r:id="rId8"/>
-    <p:sldLayoutId id="2147483669" r:id="rId9"/>
-    <p:sldLayoutId id="2147483670" r:id="rId10"/>
-    <p:sldLayoutId id="2147483671" r:id="rId11"/>
+    <p:sldLayoutId id="2147483649" r:id="rId1"/>
+    <p:sldLayoutId id="2147483650" r:id="rId2"/>
+    <p:sldLayoutId id="2147483651" r:id="rId3"/>
+    <p:sldLayoutId id="2147483652" r:id="rId4"/>
+    <p:sldLayoutId id="2147483653" r:id="rId5"/>
+    <p:sldLayoutId id="2147483654" r:id="rId6"/>
+    <p:sldLayoutId id="2147483655" r:id="rId7"/>
+    <p:sldLayoutId id="2147483656" r:id="rId8"/>
+    <p:sldLayoutId id="2147483657" r:id="rId9"/>
+    <p:sldLayoutId id="2147483658" r:id="rId10"/>
+    <p:sldLayoutId id="2147483659" r:id="rId11"/>
   </p:sldLayoutIdLst>
   <p:txStyles>
     <p:titleStyle>
@@ -13528,7 +13527,7 @@
           <a:cs typeface="+mn-cs"/>
         </a:defRPr>
       </a:lvl3pPr>
-      <a:lvl4pPr marL="1124712" indent="-228600" algn="l" defTabSz="914400" rtl="0" eaLnBrk="1" latinLnBrk="0" hangingPunct="1">
+      <a:lvl4pPr marL="1124585" indent="-228600" algn="l" defTabSz="914400" rtl="0" eaLnBrk="1" latinLnBrk="0" hangingPunct="1">
         <a:spcBef>
           <a:spcPct val="20000"/>
         </a:spcBef>
@@ -13566,7 +13565,7 @@
           <a:cs typeface="+mn-cs"/>
         </a:defRPr>
       </a:lvl5pPr>
-      <a:lvl6pPr marL="1517904" indent="-228600" algn="l" defTabSz="914400" rtl="0" eaLnBrk="1" latinLnBrk="0" hangingPunct="1">
+      <a:lvl6pPr marL="1517650" indent="-228600" algn="l" defTabSz="914400" rtl="0" eaLnBrk="1" latinLnBrk="0" hangingPunct="1">
         <a:spcBef>
           <a:spcPct val="20000"/>
         </a:spcBef>
@@ -13585,7 +13584,7 @@
           <a:cs typeface="+mn-cs"/>
         </a:defRPr>
       </a:lvl6pPr>
-      <a:lvl7pPr marL="1719072" indent="-228600" algn="l" defTabSz="914400" rtl="0" eaLnBrk="1" latinLnBrk="0" hangingPunct="1">
+      <a:lvl7pPr marL="1718945" indent="-228600" algn="l" defTabSz="914400" rtl="0" eaLnBrk="1" latinLnBrk="0" hangingPunct="1">
         <a:spcBef>
           <a:spcPct val="20000"/>
         </a:spcBef>
@@ -13623,7 +13622,7 @@
           <a:cs typeface="+mn-cs"/>
         </a:defRPr>
       </a:lvl8pPr>
-      <a:lvl9pPr marL="2121408" indent="-228600" algn="l" defTabSz="914400" rtl="0" eaLnBrk="1" latinLnBrk="0" hangingPunct="1">
+      <a:lvl9pPr marL="2121535" indent="-228600" algn="l" defTabSz="914400" rtl="0" eaLnBrk="1" latinLnBrk="0" hangingPunct="1">
         <a:spcBef>
           <a:spcPct val="20000"/>
         </a:spcBef>
@@ -13836,11 +13835,6 @@
         </p:txBody>
       </p:sp>
     </p:spTree>
-    <p:extLst>
-      <p:ext uri="{BB962C8B-B14F-4D97-AF65-F5344CB8AC3E}">
-        <p14:creationId xmlns:p14="http://schemas.microsoft.com/office/powerpoint/2010/main" val="1185930875"/>
-      </p:ext>
-    </p:extLst>
   </p:cSld>
   <p:clrMapOvr>
     <a:masterClrMapping/>
@@ -13905,7 +13899,7 @@
           <a:lstStyle/>
           <a:p>
             <a:pPr>
-              <a:buFont typeface="Wingdings" pitchFamily="18" charset="2"/>
+              <a:buFont typeface="Wingdings" panose="05000000000000000000" pitchFamily="2" charset="2"/>
               <a:buChar char="§"/>
             </a:pPr>
             <a:r>
@@ -13916,7 +13910,7 @@
           </a:p>
           <a:p>
             <a:pPr>
-              <a:buFont typeface="Wingdings" pitchFamily="18" charset="2"/>
+              <a:buFont typeface="Wingdings" panose="05000000000000000000" pitchFamily="2" charset="2"/>
               <a:buChar char="§"/>
             </a:pPr>
             <a:r>
@@ -13927,12 +13921,12 @@
           </a:p>
           <a:p>
             <a:pPr>
-              <a:buFont typeface="Wingdings" pitchFamily="18" charset="2"/>
+              <a:buFont typeface="Wingdings" panose="05000000000000000000" pitchFamily="2" charset="2"/>
               <a:buChar char="§"/>
             </a:pPr>
             <a:r>
               <a:rPr lang="en-US" dirty="0" err="1"/>
-              <a:t>Sqlite</a:t>
+              <a:t>SQLite</a:t>
             </a:r>
             <a:r>
               <a:rPr lang="en-US" dirty="0"/>
@@ -13942,11 +13936,6 @@
         </p:txBody>
       </p:sp>
     </p:spTree>
-    <p:extLst>
-      <p:ext uri="{BB962C8B-B14F-4D97-AF65-F5344CB8AC3E}">
-        <p14:creationId xmlns:p14="http://schemas.microsoft.com/office/powerpoint/2010/main" val="41631920"/>
-      </p:ext>
-    </p:extLst>
   </p:cSld>
   <p:clrMapOvr>
     <a:masterClrMapping/>
@@ -14006,12 +13995,12 @@
         <p:spPr/>
         <p:txBody>
           <a:bodyPr vert="horz" lIns="91440" tIns="45720" rIns="91440" bIns="45720" rtlCol="0" anchor="t">
-            <a:normAutofit fontScale="92500"/>
+            <a:normAutofit fontScale="92500" lnSpcReduction="10000"/>
           </a:bodyPr>
           <a:lstStyle/>
           <a:p>
             <a:pPr>
-              <a:buFont typeface="Wingdings" pitchFamily="18" charset="2"/>
+              <a:buFont typeface="Wingdings" panose="05000000000000000000" pitchFamily="2" charset="2"/>
               <a:buChar char="§"/>
             </a:pPr>
             <a:r>
@@ -14030,7 +14019,7 @@
           </a:p>
           <a:p>
             <a:pPr>
-              <a:buFont typeface="Wingdings" pitchFamily="18" charset="2"/>
+              <a:buFont typeface="Wingdings" panose="05000000000000000000" pitchFamily="2" charset="2"/>
               <a:buChar char="§"/>
             </a:pPr>
             <a:r>
@@ -14039,15 +14028,28 @@
             </a:r>
             <a:r>
               <a:rPr lang="ru-RU" err="1"/>
-              <a:t>Sqlite</a:t>
+              <a:t>SQLite</a:t>
             </a:r>
             <a:r>
               <a:rPr lang="ru-RU" dirty="0"/>
-              <a:t> 3 и таблица </a:t>
+              <a:t> 3 </a:t>
             </a:r>
             <a:r>
-              <a:rPr lang="en-US" err="1"/>
-              <a:t>lider_table.sgl</a:t>
+              <a:rPr lang="ru-RU"/>
+              <a:t>и таблица</a:t>
+            </a:r>
+            <a:r>
+              <a:rPr lang="ru-RU" dirty="0"/>
+              <a:t> </a:t>
+            </a:r>
+          </a:p>
+          <a:p>
+            <a:pPr marL="68580" indent="0">
+              <a:buNone/>
+            </a:pPr>
+            <a:r>
+              <a:rPr lang="en-US" dirty="0" err="1"/>
+              <a:t>lider_table.sql</a:t>
             </a:r>
             <a:r>
               <a:rPr lang="en-US" dirty="0"/>
@@ -14057,10 +14059,11 @@
               <a:rPr lang="ru-RU" dirty="0"/>
               <a:t>для записи рекорда.</a:t>
             </a:r>
+            <a:endParaRPr lang="ru-RU"/>
           </a:p>
           <a:p>
             <a:pPr>
-              <a:buFont typeface="Wingdings" pitchFamily="18" charset="2"/>
+              <a:buFont typeface="Wingdings" panose="05000000000000000000" pitchFamily="2" charset="2"/>
               <a:buChar char="§"/>
             </a:pPr>
             <a:r>
@@ -14070,7 +14073,7 @@
           </a:p>
           <a:p>
             <a:pPr>
-              <a:buFont typeface="Wingdings" pitchFamily="18" charset="2"/>
+              <a:buFont typeface="Wingdings" panose="05000000000000000000" pitchFamily="2" charset="2"/>
               <a:buChar char="§"/>
             </a:pPr>
             <a:r>
@@ -14080,7 +14083,7 @@
           </a:p>
           <a:p>
             <a:pPr>
-              <a:buFont typeface="Wingdings" pitchFamily="18" charset="2"/>
+              <a:buFont typeface="Wingdings" panose="05000000000000000000" pitchFamily="2" charset="2"/>
               <a:buChar char="§"/>
             </a:pPr>
             <a:r>
@@ -14090,7 +14093,7 @@
           </a:p>
           <a:p>
             <a:pPr>
-              <a:buFont typeface="Wingdings" pitchFamily="18" charset="2"/>
+              <a:buFont typeface="Wingdings" panose="05000000000000000000" pitchFamily="2" charset="2"/>
               <a:buChar char="§"/>
             </a:pPr>
             <a:r>
@@ -14100,14 +14103,14 @@
           </a:p>
           <a:p>
             <a:pPr>
-              <a:buFont typeface="Wingdings" pitchFamily="18" charset="2"/>
+              <a:buFont typeface="Wingdings" panose="05000000000000000000" pitchFamily="2" charset="2"/>
               <a:buChar char="§"/>
             </a:pPr>
             <a:endParaRPr lang="ru-RU" dirty="0"/>
           </a:p>
           <a:p>
             <a:pPr>
-              <a:buFont typeface="Wingdings" pitchFamily="18" charset="2"/>
+              <a:buFont typeface="Wingdings" panose="05000000000000000000" pitchFamily="2" charset="2"/>
               <a:buChar char="§"/>
             </a:pPr>
             <a:endParaRPr lang="ru-RU" dirty="0"/>
@@ -14115,11 +14118,6 @@
         </p:txBody>
       </p:sp>
     </p:spTree>
-    <p:extLst>
-      <p:ext uri="{BB962C8B-B14F-4D97-AF65-F5344CB8AC3E}">
-        <p14:creationId xmlns:p14="http://schemas.microsoft.com/office/powerpoint/2010/main" val="973298930"/>
-      </p:ext>
-    </p:extLst>
   </p:cSld>
   <p:clrMapOvr>
     <a:masterClrMapping/>
@@ -14209,11 +14207,6 @@
         </p:txBody>
       </p:sp>
     </p:spTree>
-    <p:extLst>
-      <p:ext uri="{BB962C8B-B14F-4D97-AF65-F5344CB8AC3E}">
-        <p14:creationId xmlns:p14="http://schemas.microsoft.com/office/powerpoint/2010/main" val="2414227873"/>
-      </p:ext>
-    </p:extLst>
   </p:cSld>
   <p:clrMapOvr>
     <a:masterClrMapping/>
@@ -14278,7 +14271,7 @@
           <a:lstStyle/>
           <a:p>
             <a:pPr>
-              <a:buFont typeface="Wingdings" pitchFamily="18" charset="2"/>
+              <a:buFont typeface="Wingdings" panose="05000000000000000000" pitchFamily="2" charset="2"/>
               <a:buChar char="§"/>
             </a:pPr>
             <a:r>
@@ -14289,7 +14282,7 @@
           </a:p>
           <a:p>
             <a:pPr>
-              <a:buFont typeface="Wingdings" pitchFamily="18" charset="2"/>
+              <a:buFont typeface="Wingdings" panose="05000000000000000000" pitchFamily="2" charset="2"/>
               <a:buChar char="§"/>
             </a:pPr>
             <a:r>
@@ -14299,7 +14292,7 @@
           </a:p>
           <a:p>
             <a:pPr>
-              <a:buFont typeface="Wingdings" pitchFamily="18" charset="2"/>
+              <a:buFont typeface="Wingdings" panose="05000000000000000000" pitchFamily="2" charset="2"/>
               <a:buChar char="§"/>
             </a:pPr>
             <a:r>
@@ -14309,7 +14302,7 @@
           </a:p>
           <a:p>
             <a:pPr>
-              <a:buFont typeface="Wingdings" pitchFamily="18" charset="2"/>
+              <a:buFont typeface="Wingdings" panose="05000000000000000000" pitchFamily="2" charset="2"/>
               <a:buChar char="§"/>
             </a:pPr>
             <a:r>
@@ -14320,11 +14313,6 @@
         </p:txBody>
       </p:sp>
     </p:spTree>
-    <p:extLst>
-      <p:ext uri="{BB962C8B-B14F-4D97-AF65-F5344CB8AC3E}">
-        <p14:creationId xmlns:p14="http://schemas.microsoft.com/office/powerpoint/2010/main" val="2049860881"/>
-      </p:ext>
-    </p:extLst>
   </p:cSld>
   <p:clrMapOvr>
     <a:masterClrMapping/>
@@ -14461,11 +14449,6 @@
         </p:spPr>
       </p:pic>
     </p:spTree>
-    <p:extLst>
-      <p:ext uri="{BB962C8B-B14F-4D97-AF65-F5344CB8AC3E}">
-        <p14:creationId xmlns:p14="http://schemas.microsoft.com/office/powerpoint/2010/main" val="3109077812"/>
-      </p:ext>
-    </p:extLst>
   </p:cSld>
   <p:clrMapOvr>
     <a:masterClrMapping/>
@@ -14530,7 +14513,7 @@
           <a:lstStyle/>
           <a:p>
             <a:pPr>
-              <a:buFont typeface="Wingdings" pitchFamily="18" charset="2"/>
+              <a:buFont typeface="Wingdings" panose="05000000000000000000" pitchFamily="2" charset="2"/>
               <a:buChar char="§"/>
             </a:pPr>
             <a:r>
@@ -14541,7 +14524,7 @@
           </a:p>
           <a:p>
             <a:pPr>
-              <a:buFont typeface="Wingdings" pitchFamily="18" charset="2"/>
+              <a:buFont typeface="Wingdings" panose="05000000000000000000" pitchFamily="2" charset="2"/>
               <a:buChar char="§"/>
             </a:pPr>
             <a:r>
@@ -14551,7 +14534,7 @@
           </a:p>
           <a:p>
             <a:pPr>
-              <a:buFont typeface="Wingdings" pitchFamily="18" charset="2"/>
+              <a:buFont typeface="Wingdings" panose="05000000000000000000" pitchFamily="2" charset="2"/>
               <a:buChar char="§"/>
             </a:pPr>
             <a:r>
@@ -14561,7 +14544,7 @@
           </a:p>
           <a:p>
             <a:pPr>
-              <a:buFont typeface="Wingdings" pitchFamily="18" charset="2"/>
+              <a:buFont typeface="Wingdings" panose="05000000000000000000" pitchFamily="2" charset="2"/>
               <a:buChar char="§"/>
             </a:pPr>
             <a:r>
@@ -14571,7 +14554,7 @@
           </a:p>
           <a:p>
             <a:pPr>
-              <a:buFont typeface="Wingdings" pitchFamily="18" charset="2"/>
+              <a:buFont typeface="Wingdings" panose="05000000000000000000" pitchFamily="2" charset="2"/>
               <a:buChar char="§"/>
             </a:pPr>
             <a:r>
@@ -14582,11 +14565,6 @@
         </p:txBody>
       </p:sp>
     </p:spTree>
-    <p:extLst>
-      <p:ext uri="{BB962C8B-B14F-4D97-AF65-F5344CB8AC3E}">
-        <p14:creationId xmlns:p14="http://schemas.microsoft.com/office/powerpoint/2010/main" val="3030452330"/>
-      </p:ext>
-    </p:extLst>
   </p:cSld>
   <p:clrMapOvr>
     <a:masterClrMapping/>
@@ -14877,5 +14855,10 @@
   </a:themeElements>
   <a:objectDefaults/>
   <a:extraClrSchemeLst/>
+  <a:extLst>
+    <a:ext uri="{05A4C25C-085E-4340-85A3-A5531E510DB2}">
+      <thm15:themeFamily xmlns:thm15="http://schemas.microsoft.com/office/thememl/2012/main" name="Office Theme" id="{62F939B6-93AF-4DB8-9C6B-D6C7DFDC589F}" vid="{4A3C46E8-61CC-4603-A589-7422A47A8E4A}"/>
+    </a:ext>
+  </a:extLst>
 </a:theme>
 </file>